--- a/docs/img/01/img.pptx
+++ b/docs/img/01/img.pptx
@@ -127,13 +127,1228 @@
 <file path=ppt/revisionInfo.xml><?xml version="1.0" encoding="utf-8"?>
 <p1510:revInfo xmlns:a="http://schemas.openxmlformats.org/drawingml/2006/main" xmlns:r="http://schemas.openxmlformats.org/officeDocument/2006/relationships" xmlns:p1510="http://schemas.microsoft.com/office/powerpoint/2015/10/main">
   <p1510:revLst>
-    <p1510:client id="{6A907A80-33DB-475F-92C5-5B5577A5C1F4}" v="44" dt="2023-05-18T15:40:37.208"/>
+    <p1510:client id="{810FE3BA-24C2-48AA-9EFD-3E423A5F23CC}" v="4" dt="2023-10-17T05:37:50.099"/>
   </p1510:revLst>
 </p1510:revInfo>
 </file>
 
 <file path=ppt/changesInfos/changesInfo1.xml><?xml version="1.0" encoding="utf-8"?>
 <pc:chgInfo xmlns:a="http://schemas.openxmlformats.org/drawingml/2006/main" xmlns:r="http://schemas.openxmlformats.org/officeDocument/2006/relationships" xmlns:ac="http://schemas.microsoft.com/office/drawing/2013/main/command" xmlns:pc="http://schemas.microsoft.com/office/powerpoint/2013/main/command">
+  <pc:docChgLst>
+    <pc:chgData name="勇介 真鍋" userId="6dbd1875255fc623" providerId="LiveId" clId="{810FE3BA-24C2-48AA-9EFD-3E423A5F23CC}"/>
+    <pc:docChg chg="modSld">
+      <pc:chgData name="勇介 真鍋" userId="6dbd1875255fc623" providerId="LiveId" clId="{810FE3BA-24C2-48AA-9EFD-3E423A5F23CC}" dt="2023-10-17T05:37:50.099" v="13" actId="164"/>
+      <pc:docMkLst>
+        <pc:docMk/>
+      </pc:docMkLst>
+      <pc:sldChg chg="addSp delSp modSp mod">
+        <pc:chgData name="勇介 真鍋" userId="6dbd1875255fc623" providerId="LiveId" clId="{810FE3BA-24C2-48AA-9EFD-3E423A5F23CC}" dt="2023-10-17T05:37:50.099" v="13" actId="164"/>
+        <pc:sldMkLst>
+          <pc:docMk/>
+          <pc:sldMk cId="1777097711" sldId="257"/>
+        </pc:sldMkLst>
+        <pc:spChg chg="mod topLvl">
+          <ac:chgData name="勇介 真鍋" userId="6dbd1875255fc623" providerId="LiveId" clId="{810FE3BA-24C2-48AA-9EFD-3E423A5F23CC}" dt="2023-10-17T05:37:50.099" v="13" actId="164"/>
+          <ac:spMkLst>
+            <pc:docMk/>
+            <pc:sldMk cId="1777097711" sldId="257"/>
+            <ac:spMk id="2" creationId="{A37C9275-D2F6-54FF-8CE0-2F914E4DDBC4}"/>
+          </ac:spMkLst>
+        </pc:spChg>
+        <pc:spChg chg="add mod ord">
+          <ac:chgData name="勇介 真鍋" userId="6dbd1875255fc623" providerId="LiveId" clId="{810FE3BA-24C2-48AA-9EFD-3E423A5F23CC}" dt="2023-10-17T05:37:50.099" v="13" actId="164"/>
+          <ac:spMkLst>
+            <pc:docMk/>
+            <pc:sldMk cId="1777097711" sldId="257"/>
+            <ac:spMk id="4" creationId="{8DF635FE-B04C-4D9A-4E47-A4C3E1556DAE}"/>
+          </ac:spMkLst>
+        </pc:spChg>
+        <pc:spChg chg="mod topLvl">
+          <ac:chgData name="勇介 真鍋" userId="6dbd1875255fc623" providerId="LiveId" clId="{810FE3BA-24C2-48AA-9EFD-3E423A5F23CC}" dt="2023-10-17T05:37:50.099" v="13" actId="164"/>
+          <ac:spMkLst>
+            <pc:docMk/>
+            <pc:sldMk cId="1777097711" sldId="257"/>
+            <ac:spMk id="5" creationId="{761919E9-E742-420E-B2FD-F7465B952182}"/>
+          </ac:spMkLst>
+        </pc:spChg>
+        <pc:spChg chg="mod topLvl">
+          <ac:chgData name="勇介 真鍋" userId="6dbd1875255fc623" providerId="LiveId" clId="{810FE3BA-24C2-48AA-9EFD-3E423A5F23CC}" dt="2023-10-17T05:37:50.099" v="13" actId="164"/>
+          <ac:spMkLst>
+            <pc:docMk/>
+            <pc:sldMk cId="1777097711" sldId="257"/>
+            <ac:spMk id="6" creationId="{539ECD76-65CE-FEFA-1563-A6A5A340E7A1}"/>
+          </ac:spMkLst>
+        </pc:spChg>
+        <pc:spChg chg="mod topLvl">
+          <ac:chgData name="勇介 真鍋" userId="6dbd1875255fc623" providerId="LiveId" clId="{810FE3BA-24C2-48AA-9EFD-3E423A5F23CC}" dt="2023-10-17T05:37:50.099" v="13" actId="164"/>
+          <ac:spMkLst>
+            <pc:docMk/>
+            <pc:sldMk cId="1777097711" sldId="257"/>
+            <ac:spMk id="8" creationId="{55BFC914-3250-BD87-84CB-ACF406A5C494}"/>
+          </ac:spMkLst>
+        </pc:spChg>
+        <pc:spChg chg="mod topLvl">
+          <ac:chgData name="勇介 真鍋" userId="6dbd1875255fc623" providerId="LiveId" clId="{810FE3BA-24C2-48AA-9EFD-3E423A5F23CC}" dt="2023-10-17T05:37:50.099" v="13" actId="164"/>
+          <ac:spMkLst>
+            <pc:docMk/>
+            <pc:sldMk cId="1777097711" sldId="257"/>
+            <ac:spMk id="9" creationId="{12289816-C717-C9A3-40EB-75D39DA732B4}"/>
+          </ac:spMkLst>
+        </pc:spChg>
+        <pc:spChg chg="mod topLvl">
+          <ac:chgData name="勇介 真鍋" userId="6dbd1875255fc623" providerId="LiveId" clId="{810FE3BA-24C2-48AA-9EFD-3E423A5F23CC}" dt="2023-10-17T05:37:50.099" v="13" actId="164"/>
+          <ac:spMkLst>
+            <pc:docMk/>
+            <pc:sldMk cId="1777097711" sldId="257"/>
+            <ac:spMk id="10" creationId="{A1F880C2-680C-1FB0-9B00-EDD455B9D9B2}"/>
+          </ac:spMkLst>
+        </pc:spChg>
+        <pc:spChg chg="mod topLvl">
+          <ac:chgData name="勇介 真鍋" userId="6dbd1875255fc623" providerId="LiveId" clId="{810FE3BA-24C2-48AA-9EFD-3E423A5F23CC}" dt="2023-10-17T05:37:50.099" v="13" actId="164"/>
+          <ac:spMkLst>
+            <pc:docMk/>
+            <pc:sldMk cId="1777097711" sldId="257"/>
+            <ac:spMk id="12" creationId="{75E4C988-ECBA-70B7-24AE-1172FA0307E9}"/>
+          </ac:spMkLst>
+        </pc:spChg>
+        <pc:spChg chg="mod topLvl">
+          <ac:chgData name="勇介 真鍋" userId="6dbd1875255fc623" providerId="LiveId" clId="{810FE3BA-24C2-48AA-9EFD-3E423A5F23CC}" dt="2023-10-17T05:37:50.099" v="13" actId="164"/>
+          <ac:spMkLst>
+            <pc:docMk/>
+            <pc:sldMk cId="1777097711" sldId="257"/>
+            <ac:spMk id="13" creationId="{AD4D2064-D3D6-3DA1-1389-08A03907CCF9}"/>
+          </ac:spMkLst>
+        </pc:spChg>
+        <pc:spChg chg="mod topLvl">
+          <ac:chgData name="勇介 真鍋" userId="6dbd1875255fc623" providerId="LiveId" clId="{810FE3BA-24C2-48AA-9EFD-3E423A5F23CC}" dt="2023-10-17T05:37:50.099" v="13" actId="164"/>
+          <ac:spMkLst>
+            <pc:docMk/>
+            <pc:sldMk cId="1777097711" sldId="257"/>
+            <ac:spMk id="14" creationId="{83439B7C-C1E0-9621-BE75-BE65710320DB}"/>
+          </ac:spMkLst>
+        </pc:spChg>
+        <pc:spChg chg="mod topLvl">
+          <ac:chgData name="勇介 真鍋" userId="6dbd1875255fc623" providerId="LiveId" clId="{810FE3BA-24C2-48AA-9EFD-3E423A5F23CC}" dt="2023-10-17T05:37:50.099" v="13" actId="164"/>
+          <ac:spMkLst>
+            <pc:docMk/>
+            <pc:sldMk cId="1777097711" sldId="257"/>
+            <ac:spMk id="15" creationId="{DA2DA641-EC2D-6CD5-94B6-E6F31B8AD6BD}"/>
+          </ac:spMkLst>
+        </pc:spChg>
+        <pc:spChg chg="mod topLvl">
+          <ac:chgData name="勇介 真鍋" userId="6dbd1875255fc623" providerId="LiveId" clId="{810FE3BA-24C2-48AA-9EFD-3E423A5F23CC}" dt="2023-10-17T05:37:50.099" v="13" actId="164"/>
+          <ac:spMkLst>
+            <pc:docMk/>
+            <pc:sldMk cId="1777097711" sldId="257"/>
+            <ac:spMk id="16" creationId="{A5C73040-7C01-D329-A96F-6B185FBE3724}"/>
+          </ac:spMkLst>
+        </pc:spChg>
+        <pc:spChg chg="mod topLvl">
+          <ac:chgData name="勇介 真鍋" userId="6dbd1875255fc623" providerId="LiveId" clId="{810FE3BA-24C2-48AA-9EFD-3E423A5F23CC}" dt="2023-10-17T05:37:50.099" v="13" actId="164"/>
+          <ac:spMkLst>
+            <pc:docMk/>
+            <pc:sldMk cId="1777097711" sldId="257"/>
+            <ac:spMk id="17" creationId="{E8685F65-A7BA-7026-DE61-06B51D5520BE}"/>
+          </ac:spMkLst>
+        </pc:spChg>
+        <pc:spChg chg="mod topLvl">
+          <ac:chgData name="勇介 真鍋" userId="6dbd1875255fc623" providerId="LiveId" clId="{810FE3BA-24C2-48AA-9EFD-3E423A5F23CC}" dt="2023-10-17T05:37:50.099" v="13" actId="164"/>
+          <ac:spMkLst>
+            <pc:docMk/>
+            <pc:sldMk cId="1777097711" sldId="257"/>
+            <ac:spMk id="18" creationId="{A1248384-EAE9-D7A7-7B71-4741E0EBE047}"/>
+          </ac:spMkLst>
+        </pc:spChg>
+        <pc:spChg chg="mod topLvl">
+          <ac:chgData name="勇介 真鍋" userId="6dbd1875255fc623" providerId="LiveId" clId="{810FE3BA-24C2-48AA-9EFD-3E423A5F23CC}" dt="2023-10-17T05:37:50.099" v="13" actId="164"/>
+          <ac:spMkLst>
+            <pc:docMk/>
+            <pc:sldMk cId="1777097711" sldId="257"/>
+            <ac:spMk id="19" creationId="{43499912-23AC-903E-EA2C-9DAE03A0B756}"/>
+          </ac:spMkLst>
+        </pc:spChg>
+        <pc:spChg chg="mod topLvl">
+          <ac:chgData name="勇介 真鍋" userId="6dbd1875255fc623" providerId="LiveId" clId="{810FE3BA-24C2-48AA-9EFD-3E423A5F23CC}" dt="2023-10-17T05:37:50.099" v="13" actId="164"/>
+          <ac:spMkLst>
+            <pc:docMk/>
+            <pc:sldMk cId="1777097711" sldId="257"/>
+            <ac:spMk id="20" creationId="{F6341267-03B5-ED5E-111B-29B95DA38765}"/>
+          </ac:spMkLst>
+        </pc:spChg>
+        <pc:spChg chg="mod topLvl">
+          <ac:chgData name="勇介 真鍋" userId="6dbd1875255fc623" providerId="LiveId" clId="{810FE3BA-24C2-48AA-9EFD-3E423A5F23CC}" dt="2023-10-17T05:37:50.099" v="13" actId="164"/>
+          <ac:spMkLst>
+            <pc:docMk/>
+            <pc:sldMk cId="1777097711" sldId="257"/>
+            <ac:spMk id="21" creationId="{2E066C65-ED45-0782-7143-003491DA04E9}"/>
+          </ac:spMkLst>
+        </pc:spChg>
+        <pc:spChg chg="mod topLvl">
+          <ac:chgData name="勇介 真鍋" userId="6dbd1875255fc623" providerId="LiveId" clId="{810FE3BA-24C2-48AA-9EFD-3E423A5F23CC}" dt="2023-10-17T05:37:50.099" v="13" actId="164"/>
+          <ac:spMkLst>
+            <pc:docMk/>
+            <pc:sldMk cId="1777097711" sldId="257"/>
+            <ac:spMk id="22" creationId="{36E407B3-F81F-3459-FE06-52B87152B4E5}"/>
+          </ac:spMkLst>
+        </pc:spChg>
+        <pc:spChg chg="mod topLvl">
+          <ac:chgData name="勇介 真鍋" userId="6dbd1875255fc623" providerId="LiveId" clId="{810FE3BA-24C2-48AA-9EFD-3E423A5F23CC}" dt="2023-10-17T05:37:50.099" v="13" actId="164"/>
+          <ac:spMkLst>
+            <pc:docMk/>
+            <pc:sldMk cId="1777097711" sldId="257"/>
+            <ac:spMk id="23" creationId="{377C32B5-0C41-9572-ED84-585763C3CB43}"/>
+          </ac:spMkLst>
+        </pc:spChg>
+        <pc:spChg chg="mod topLvl">
+          <ac:chgData name="勇介 真鍋" userId="6dbd1875255fc623" providerId="LiveId" clId="{810FE3BA-24C2-48AA-9EFD-3E423A5F23CC}" dt="2023-10-17T05:37:50.099" v="13" actId="164"/>
+          <ac:spMkLst>
+            <pc:docMk/>
+            <pc:sldMk cId="1777097711" sldId="257"/>
+            <ac:spMk id="24" creationId="{D78C4B56-9CD5-38B8-AAD2-4A874856FEA1}"/>
+          </ac:spMkLst>
+        </pc:spChg>
+        <pc:spChg chg="mod topLvl">
+          <ac:chgData name="勇介 真鍋" userId="6dbd1875255fc623" providerId="LiveId" clId="{810FE3BA-24C2-48AA-9EFD-3E423A5F23CC}" dt="2023-10-17T05:37:50.099" v="13" actId="164"/>
+          <ac:spMkLst>
+            <pc:docMk/>
+            <pc:sldMk cId="1777097711" sldId="257"/>
+            <ac:spMk id="25" creationId="{65A214EE-7087-8A33-EBF9-151519D3979C}"/>
+          </ac:spMkLst>
+        </pc:spChg>
+        <pc:spChg chg="mod topLvl">
+          <ac:chgData name="勇介 真鍋" userId="6dbd1875255fc623" providerId="LiveId" clId="{810FE3BA-24C2-48AA-9EFD-3E423A5F23CC}" dt="2023-10-17T05:37:50.099" v="13" actId="164"/>
+          <ac:spMkLst>
+            <pc:docMk/>
+            <pc:sldMk cId="1777097711" sldId="257"/>
+            <ac:spMk id="26" creationId="{BBAEAEB0-B0AA-4369-BAB1-0A3071A36D25}"/>
+          </ac:spMkLst>
+        </pc:spChg>
+        <pc:spChg chg="mod topLvl">
+          <ac:chgData name="勇介 真鍋" userId="6dbd1875255fc623" providerId="LiveId" clId="{810FE3BA-24C2-48AA-9EFD-3E423A5F23CC}" dt="2023-10-17T05:37:50.099" v="13" actId="164"/>
+          <ac:spMkLst>
+            <pc:docMk/>
+            <pc:sldMk cId="1777097711" sldId="257"/>
+            <ac:spMk id="27" creationId="{0FE01F44-6B7B-2B13-A589-884A1152D4AC}"/>
+          </ac:spMkLst>
+        </pc:spChg>
+        <pc:spChg chg="mod topLvl">
+          <ac:chgData name="勇介 真鍋" userId="6dbd1875255fc623" providerId="LiveId" clId="{810FE3BA-24C2-48AA-9EFD-3E423A5F23CC}" dt="2023-10-17T05:37:50.099" v="13" actId="164"/>
+          <ac:spMkLst>
+            <pc:docMk/>
+            <pc:sldMk cId="1777097711" sldId="257"/>
+            <ac:spMk id="28" creationId="{84F7B1D8-6DA3-C928-D2BA-79863D68649C}"/>
+          </ac:spMkLst>
+        </pc:spChg>
+        <pc:spChg chg="mod topLvl">
+          <ac:chgData name="勇介 真鍋" userId="6dbd1875255fc623" providerId="LiveId" clId="{810FE3BA-24C2-48AA-9EFD-3E423A5F23CC}" dt="2023-10-17T05:37:50.099" v="13" actId="164"/>
+          <ac:spMkLst>
+            <pc:docMk/>
+            <pc:sldMk cId="1777097711" sldId="257"/>
+            <ac:spMk id="29" creationId="{0CB7CBB5-266C-E879-4ADF-7372A589F417}"/>
+          </ac:spMkLst>
+        </pc:spChg>
+        <pc:spChg chg="mod topLvl">
+          <ac:chgData name="勇介 真鍋" userId="6dbd1875255fc623" providerId="LiveId" clId="{810FE3BA-24C2-48AA-9EFD-3E423A5F23CC}" dt="2023-10-17T05:37:50.099" v="13" actId="164"/>
+          <ac:spMkLst>
+            <pc:docMk/>
+            <pc:sldMk cId="1777097711" sldId="257"/>
+            <ac:spMk id="30" creationId="{48D4D4BA-64D7-0A8C-1E9E-5486FC6D26BF}"/>
+          </ac:spMkLst>
+        </pc:spChg>
+        <pc:spChg chg="mod topLvl">
+          <ac:chgData name="勇介 真鍋" userId="6dbd1875255fc623" providerId="LiveId" clId="{810FE3BA-24C2-48AA-9EFD-3E423A5F23CC}" dt="2023-10-17T05:37:50.099" v="13" actId="164"/>
+          <ac:spMkLst>
+            <pc:docMk/>
+            <pc:sldMk cId="1777097711" sldId="257"/>
+            <ac:spMk id="31" creationId="{A32717F1-4490-4EAA-BE71-C0D89522D400}"/>
+          </ac:spMkLst>
+        </pc:spChg>
+        <pc:spChg chg="mod topLvl">
+          <ac:chgData name="勇介 真鍋" userId="6dbd1875255fc623" providerId="LiveId" clId="{810FE3BA-24C2-48AA-9EFD-3E423A5F23CC}" dt="2023-10-17T05:37:50.099" v="13" actId="164"/>
+          <ac:spMkLst>
+            <pc:docMk/>
+            <pc:sldMk cId="1777097711" sldId="257"/>
+            <ac:spMk id="32" creationId="{587C28DD-69BC-C049-35A9-3780D3E8FDFF}"/>
+          </ac:spMkLst>
+        </pc:spChg>
+        <pc:spChg chg="mod topLvl">
+          <ac:chgData name="勇介 真鍋" userId="6dbd1875255fc623" providerId="LiveId" clId="{810FE3BA-24C2-48AA-9EFD-3E423A5F23CC}" dt="2023-10-17T05:37:50.099" v="13" actId="164"/>
+          <ac:spMkLst>
+            <pc:docMk/>
+            <pc:sldMk cId="1777097711" sldId="257"/>
+            <ac:spMk id="33" creationId="{1866C149-7C9D-52AB-0778-7DC1967A7778}"/>
+          </ac:spMkLst>
+        </pc:spChg>
+        <pc:spChg chg="mod topLvl">
+          <ac:chgData name="勇介 真鍋" userId="6dbd1875255fc623" providerId="LiveId" clId="{810FE3BA-24C2-48AA-9EFD-3E423A5F23CC}" dt="2023-10-17T05:37:50.099" v="13" actId="164"/>
+          <ac:spMkLst>
+            <pc:docMk/>
+            <pc:sldMk cId="1777097711" sldId="257"/>
+            <ac:spMk id="34" creationId="{60CC0AC6-4195-A12D-A745-D2EE713890D9}"/>
+          </ac:spMkLst>
+        </pc:spChg>
+        <pc:spChg chg="mod topLvl">
+          <ac:chgData name="勇介 真鍋" userId="6dbd1875255fc623" providerId="LiveId" clId="{810FE3BA-24C2-48AA-9EFD-3E423A5F23CC}" dt="2023-10-17T05:37:50.099" v="13" actId="164"/>
+          <ac:spMkLst>
+            <pc:docMk/>
+            <pc:sldMk cId="1777097711" sldId="257"/>
+            <ac:spMk id="35" creationId="{BC3FAC0D-D38F-3B94-76BE-D9CDC6D592CA}"/>
+          </ac:spMkLst>
+        </pc:spChg>
+        <pc:spChg chg="mod topLvl">
+          <ac:chgData name="勇介 真鍋" userId="6dbd1875255fc623" providerId="LiveId" clId="{810FE3BA-24C2-48AA-9EFD-3E423A5F23CC}" dt="2023-10-17T05:37:50.099" v="13" actId="164"/>
+          <ac:spMkLst>
+            <pc:docMk/>
+            <pc:sldMk cId="1777097711" sldId="257"/>
+            <ac:spMk id="36" creationId="{2A0E1F92-0FB5-C582-EFCD-1A7F3AC9AD0C}"/>
+          </ac:spMkLst>
+        </pc:spChg>
+        <pc:spChg chg="mod topLvl">
+          <ac:chgData name="勇介 真鍋" userId="6dbd1875255fc623" providerId="LiveId" clId="{810FE3BA-24C2-48AA-9EFD-3E423A5F23CC}" dt="2023-10-17T05:37:50.099" v="13" actId="164"/>
+          <ac:spMkLst>
+            <pc:docMk/>
+            <pc:sldMk cId="1777097711" sldId="257"/>
+            <ac:spMk id="37" creationId="{399EEE29-7279-64A1-74E8-FBA88B6FA65D}"/>
+          </ac:spMkLst>
+        </pc:spChg>
+        <pc:spChg chg="mod topLvl">
+          <ac:chgData name="勇介 真鍋" userId="6dbd1875255fc623" providerId="LiveId" clId="{810FE3BA-24C2-48AA-9EFD-3E423A5F23CC}" dt="2023-10-17T05:37:50.099" v="13" actId="164"/>
+          <ac:spMkLst>
+            <pc:docMk/>
+            <pc:sldMk cId="1777097711" sldId="257"/>
+            <ac:spMk id="38" creationId="{532FC391-C4C6-D937-67D3-5B7CDE2975A8}"/>
+          </ac:spMkLst>
+        </pc:spChg>
+        <pc:spChg chg="mod topLvl">
+          <ac:chgData name="勇介 真鍋" userId="6dbd1875255fc623" providerId="LiveId" clId="{810FE3BA-24C2-48AA-9EFD-3E423A5F23CC}" dt="2023-10-17T05:37:50.099" v="13" actId="164"/>
+          <ac:spMkLst>
+            <pc:docMk/>
+            <pc:sldMk cId="1777097711" sldId="257"/>
+            <ac:spMk id="39" creationId="{7F34818E-EBF8-38DA-EA8B-997ECCA22B11}"/>
+          </ac:spMkLst>
+        </pc:spChg>
+        <pc:spChg chg="mod topLvl">
+          <ac:chgData name="勇介 真鍋" userId="6dbd1875255fc623" providerId="LiveId" clId="{810FE3BA-24C2-48AA-9EFD-3E423A5F23CC}" dt="2023-10-17T05:37:50.099" v="13" actId="164"/>
+          <ac:spMkLst>
+            <pc:docMk/>
+            <pc:sldMk cId="1777097711" sldId="257"/>
+            <ac:spMk id="40" creationId="{6B28BABE-74D8-C6A0-BF1C-C1AB5E8D8D68}"/>
+          </ac:spMkLst>
+        </pc:spChg>
+        <pc:spChg chg="mod topLvl">
+          <ac:chgData name="勇介 真鍋" userId="6dbd1875255fc623" providerId="LiveId" clId="{810FE3BA-24C2-48AA-9EFD-3E423A5F23CC}" dt="2023-10-17T05:37:50.099" v="13" actId="164"/>
+          <ac:spMkLst>
+            <pc:docMk/>
+            <pc:sldMk cId="1777097711" sldId="257"/>
+            <ac:spMk id="41" creationId="{6C04A058-E017-BA0E-BCAC-1F41B0C4C145}"/>
+          </ac:spMkLst>
+        </pc:spChg>
+        <pc:spChg chg="mod topLvl">
+          <ac:chgData name="勇介 真鍋" userId="6dbd1875255fc623" providerId="LiveId" clId="{810FE3BA-24C2-48AA-9EFD-3E423A5F23CC}" dt="2023-10-17T05:37:50.099" v="13" actId="164"/>
+          <ac:spMkLst>
+            <pc:docMk/>
+            <pc:sldMk cId="1777097711" sldId="257"/>
+            <ac:spMk id="43" creationId="{7CB0FE8E-51C5-3FD5-2826-850161E96F13}"/>
+          </ac:spMkLst>
+        </pc:spChg>
+        <pc:spChg chg="mod topLvl">
+          <ac:chgData name="勇介 真鍋" userId="6dbd1875255fc623" providerId="LiveId" clId="{810FE3BA-24C2-48AA-9EFD-3E423A5F23CC}" dt="2023-10-17T05:37:50.099" v="13" actId="164"/>
+          <ac:spMkLst>
+            <pc:docMk/>
+            <pc:sldMk cId="1777097711" sldId="257"/>
+            <ac:spMk id="44" creationId="{E02CB6D6-0E2C-FD8F-7A19-BAFB1CE5156A}"/>
+          </ac:spMkLst>
+        </pc:spChg>
+        <pc:spChg chg="mod topLvl">
+          <ac:chgData name="勇介 真鍋" userId="6dbd1875255fc623" providerId="LiveId" clId="{810FE3BA-24C2-48AA-9EFD-3E423A5F23CC}" dt="2023-10-17T05:37:50.099" v="13" actId="164"/>
+          <ac:spMkLst>
+            <pc:docMk/>
+            <pc:sldMk cId="1777097711" sldId="257"/>
+            <ac:spMk id="45" creationId="{DABB0E2C-4BA8-A705-9B9E-E7057B4DFB1D}"/>
+          </ac:spMkLst>
+        </pc:spChg>
+        <pc:spChg chg="mod topLvl">
+          <ac:chgData name="勇介 真鍋" userId="6dbd1875255fc623" providerId="LiveId" clId="{810FE3BA-24C2-48AA-9EFD-3E423A5F23CC}" dt="2023-10-17T05:37:50.099" v="13" actId="164"/>
+          <ac:spMkLst>
+            <pc:docMk/>
+            <pc:sldMk cId="1777097711" sldId="257"/>
+            <ac:spMk id="47" creationId="{452F1569-6DCC-B391-5513-DDF2E721541B}"/>
+          </ac:spMkLst>
+        </pc:spChg>
+        <pc:spChg chg="mod topLvl">
+          <ac:chgData name="勇介 真鍋" userId="6dbd1875255fc623" providerId="LiveId" clId="{810FE3BA-24C2-48AA-9EFD-3E423A5F23CC}" dt="2023-10-17T05:37:50.099" v="13" actId="164"/>
+          <ac:spMkLst>
+            <pc:docMk/>
+            <pc:sldMk cId="1777097711" sldId="257"/>
+            <ac:spMk id="48" creationId="{33F8DBAE-2B5F-71AC-EE88-1A5B8B504B5D}"/>
+          </ac:spMkLst>
+        </pc:spChg>
+        <pc:spChg chg="mod topLvl">
+          <ac:chgData name="勇介 真鍋" userId="6dbd1875255fc623" providerId="LiveId" clId="{810FE3BA-24C2-48AA-9EFD-3E423A5F23CC}" dt="2023-10-17T05:37:50.099" v="13" actId="164"/>
+          <ac:spMkLst>
+            <pc:docMk/>
+            <pc:sldMk cId="1777097711" sldId="257"/>
+            <ac:spMk id="49" creationId="{34EC5519-CDC2-C5C4-426A-B130DA78CE81}"/>
+          </ac:spMkLst>
+        </pc:spChg>
+        <pc:spChg chg="mod topLvl">
+          <ac:chgData name="勇介 真鍋" userId="6dbd1875255fc623" providerId="LiveId" clId="{810FE3BA-24C2-48AA-9EFD-3E423A5F23CC}" dt="2023-10-17T05:37:50.099" v="13" actId="164"/>
+          <ac:spMkLst>
+            <pc:docMk/>
+            <pc:sldMk cId="1777097711" sldId="257"/>
+            <ac:spMk id="50" creationId="{4107A010-0207-3FC5-3C24-02B7F1B7E923}"/>
+          </ac:spMkLst>
+        </pc:spChg>
+        <pc:spChg chg="mod topLvl">
+          <ac:chgData name="勇介 真鍋" userId="6dbd1875255fc623" providerId="LiveId" clId="{810FE3BA-24C2-48AA-9EFD-3E423A5F23CC}" dt="2023-10-17T05:37:50.099" v="13" actId="164"/>
+          <ac:spMkLst>
+            <pc:docMk/>
+            <pc:sldMk cId="1777097711" sldId="257"/>
+            <ac:spMk id="51" creationId="{3173644A-27CC-B653-8651-C0EA83F8EB98}"/>
+          </ac:spMkLst>
+        </pc:spChg>
+        <pc:spChg chg="mod topLvl">
+          <ac:chgData name="勇介 真鍋" userId="6dbd1875255fc623" providerId="LiveId" clId="{810FE3BA-24C2-48AA-9EFD-3E423A5F23CC}" dt="2023-10-17T05:37:50.099" v="13" actId="164"/>
+          <ac:spMkLst>
+            <pc:docMk/>
+            <pc:sldMk cId="1777097711" sldId="257"/>
+            <ac:spMk id="53" creationId="{258FB62F-8EE7-4070-8E5E-DADA09EEEA74}"/>
+          </ac:spMkLst>
+        </pc:spChg>
+        <pc:spChg chg="mod topLvl">
+          <ac:chgData name="勇介 真鍋" userId="6dbd1875255fc623" providerId="LiveId" clId="{810FE3BA-24C2-48AA-9EFD-3E423A5F23CC}" dt="2023-10-17T05:37:50.099" v="13" actId="164"/>
+          <ac:spMkLst>
+            <pc:docMk/>
+            <pc:sldMk cId="1777097711" sldId="257"/>
+            <ac:spMk id="54" creationId="{44417D95-4387-655B-3E7D-7C52C39D03AD}"/>
+          </ac:spMkLst>
+        </pc:spChg>
+        <pc:spChg chg="mod topLvl">
+          <ac:chgData name="勇介 真鍋" userId="6dbd1875255fc623" providerId="LiveId" clId="{810FE3BA-24C2-48AA-9EFD-3E423A5F23CC}" dt="2023-10-17T05:37:50.099" v="13" actId="164"/>
+          <ac:spMkLst>
+            <pc:docMk/>
+            <pc:sldMk cId="1777097711" sldId="257"/>
+            <ac:spMk id="58" creationId="{F525D7E4-E8FA-95AD-8C30-2091FA932976}"/>
+          </ac:spMkLst>
+        </pc:spChg>
+        <pc:spChg chg="mod topLvl">
+          <ac:chgData name="勇介 真鍋" userId="6dbd1875255fc623" providerId="LiveId" clId="{810FE3BA-24C2-48AA-9EFD-3E423A5F23CC}" dt="2023-10-17T05:37:50.099" v="13" actId="164"/>
+          <ac:spMkLst>
+            <pc:docMk/>
+            <pc:sldMk cId="1777097711" sldId="257"/>
+            <ac:spMk id="63" creationId="{CAD57F89-9CCE-852C-9F07-96F9ECB5211E}"/>
+          </ac:spMkLst>
+        </pc:spChg>
+        <pc:spChg chg="mod topLvl">
+          <ac:chgData name="勇介 真鍋" userId="6dbd1875255fc623" providerId="LiveId" clId="{810FE3BA-24C2-48AA-9EFD-3E423A5F23CC}" dt="2023-10-17T05:37:50.099" v="13" actId="164"/>
+          <ac:spMkLst>
+            <pc:docMk/>
+            <pc:sldMk cId="1777097711" sldId="257"/>
+            <ac:spMk id="64" creationId="{CCCAFA7D-2144-7E5D-72E6-997C8117AE2C}"/>
+          </ac:spMkLst>
+        </pc:spChg>
+        <pc:spChg chg="mod topLvl">
+          <ac:chgData name="勇介 真鍋" userId="6dbd1875255fc623" providerId="LiveId" clId="{810FE3BA-24C2-48AA-9EFD-3E423A5F23CC}" dt="2023-10-17T05:37:50.099" v="13" actId="164"/>
+          <ac:spMkLst>
+            <pc:docMk/>
+            <pc:sldMk cId="1777097711" sldId="257"/>
+            <ac:spMk id="66" creationId="{8419EC6D-692E-7FBE-4B26-4DEBA166FDF7}"/>
+          </ac:spMkLst>
+        </pc:spChg>
+        <pc:spChg chg="mod topLvl">
+          <ac:chgData name="勇介 真鍋" userId="6dbd1875255fc623" providerId="LiveId" clId="{810FE3BA-24C2-48AA-9EFD-3E423A5F23CC}" dt="2023-10-17T05:37:50.099" v="13" actId="164"/>
+          <ac:spMkLst>
+            <pc:docMk/>
+            <pc:sldMk cId="1777097711" sldId="257"/>
+            <ac:spMk id="67" creationId="{54D2299F-FE92-6243-8B64-3685CC63583C}"/>
+          </ac:spMkLst>
+        </pc:spChg>
+        <pc:spChg chg="mod topLvl">
+          <ac:chgData name="勇介 真鍋" userId="6dbd1875255fc623" providerId="LiveId" clId="{810FE3BA-24C2-48AA-9EFD-3E423A5F23CC}" dt="2023-10-17T05:37:50.099" v="13" actId="164"/>
+          <ac:spMkLst>
+            <pc:docMk/>
+            <pc:sldMk cId="1777097711" sldId="257"/>
+            <ac:spMk id="68" creationId="{3D0AA4BB-89BF-A0C5-7186-336AA0168FC3}"/>
+          </ac:spMkLst>
+        </pc:spChg>
+        <pc:spChg chg="mod topLvl">
+          <ac:chgData name="勇介 真鍋" userId="6dbd1875255fc623" providerId="LiveId" clId="{810FE3BA-24C2-48AA-9EFD-3E423A5F23CC}" dt="2023-10-17T05:37:50.099" v="13" actId="164"/>
+          <ac:spMkLst>
+            <pc:docMk/>
+            <pc:sldMk cId="1777097711" sldId="257"/>
+            <ac:spMk id="69" creationId="{5A64009B-274E-EF6F-3B9C-C171912B28A7}"/>
+          </ac:spMkLst>
+        </pc:spChg>
+        <pc:spChg chg="mod topLvl">
+          <ac:chgData name="勇介 真鍋" userId="6dbd1875255fc623" providerId="LiveId" clId="{810FE3BA-24C2-48AA-9EFD-3E423A5F23CC}" dt="2023-10-17T05:37:50.099" v="13" actId="164"/>
+          <ac:spMkLst>
+            <pc:docMk/>
+            <pc:sldMk cId="1777097711" sldId="257"/>
+            <ac:spMk id="70" creationId="{2CCF05D5-7B52-B68E-EC27-7B5748738AEC}"/>
+          </ac:spMkLst>
+        </pc:spChg>
+        <pc:spChg chg="mod topLvl">
+          <ac:chgData name="勇介 真鍋" userId="6dbd1875255fc623" providerId="LiveId" clId="{810FE3BA-24C2-48AA-9EFD-3E423A5F23CC}" dt="2023-10-17T05:37:50.099" v="13" actId="164"/>
+          <ac:spMkLst>
+            <pc:docMk/>
+            <pc:sldMk cId="1777097711" sldId="257"/>
+            <ac:spMk id="71" creationId="{0F165CD5-FD77-A17C-B64B-490688F80AA9}"/>
+          </ac:spMkLst>
+        </pc:spChg>
+        <pc:spChg chg="mod topLvl">
+          <ac:chgData name="勇介 真鍋" userId="6dbd1875255fc623" providerId="LiveId" clId="{810FE3BA-24C2-48AA-9EFD-3E423A5F23CC}" dt="2023-10-17T05:37:50.099" v="13" actId="164"/>
+          <ac:spMkLst>
+            <pc:docMk/>
+            <pc:sldMk cId="1777097711" sldId="257"/>
+            <ac:spMk id="72" creationId="{8BECE72B-4D85-DBBB-B763-878E67159AAC}"/>
+          </ac:spMkLst>
+        </pc:spChg>
+        <pc:spChg chg="mod topLvl">
+          <ac:chgData name="勇介 真鍋" userId="6dbd1875255fc623" providerId="LiveId" clId="{810FE3BA-24C2-48AA-9EFD-3E423A5F23CC}" dt="2023-10-17T05:37:50.099" v="13" actId="164"/>
+          <ac:spMkLst>
+            <pc:docMk/>
+            <pc:sldMk cId="1777097711" sldId="257"/>
+            <ac:spMk id="73" creationId="{AECD7AA6-7CBA-804E-02F0-3B1F93AFA2C9}"/>
+          </ac:spMkLst>
+        </pc:spChg>
+        <pc:spChg chg="mod topLvl">
+          <ac:chgData name="勇介 真鍋" userId="6dbd1875255fc623" providerId="LiveId" clId="{810FE3BA-24C2-48AA-9EFD-3E423A5F23CC}" dt="2023-10-17T05:37:50.099" v="13" actId="164"/>
+          <ac:spMkLst>
+            <pc:docMk/>
+            <pc:sldMk cId="1777097711" sldId="257"/>
+            <ac:spMk id="74" creationId="{9B24B327-42F8-F380-4810-CE8F14F4EA96}"/>
+          </ac:spMkLst>
+        </pc:spChg>
+        <pc:spChg chg="mod topLvl">
+          <ac:chgData name="勇介 真鍋" userId="6dbd1875255fc623" providerId="LiveId" clId="{810FE3BA-24C2-48AA-9EFD-3E423A5F23CC}" dt="2023-10-17T05:37:50.099" v="13" actId="164"/>
+          <ac:spMkLst>
+            <pc:docMk/>
+            <pc:sldMk cId="1777097711" sldId="257"/>
+            <ac:spMk id="75" creationId="{80A93D46-2864-25ED-022B-D454D357F73B}"/>
+          </ac:spMkLst>
+        </pc:spChg>
+        <pc:spChg chg="mod topLvl">
+          <ac:chgData name="勇介 真鍋" userId="6dbd1875255fc623" providerId="LiveId" clId="{810FE3BA-24C2-48AA-9EFD-3E423A5F23CC}" dt="2023-10-17T05:37:50.099" v="13" actId="164"/>
+          <ac:spMkLst>
+            <pc:docMk/>
+            <pc:sldMk cId="1777097711" sldId="257"/>
+            <ac:spMk id="76" creationId="{2CADF9D3-66B4-4A98-0482-C4A3802B4AA3}"/>
+          </ac:spMkLst>
+        </pc:spChg>
+        <pc:spChg chg="mod topLvl">
+          <ac:chgData name="勇介 真鍋" userId="6dbd1875255fc623" providerId="LiveId" clId="{810FE3BA-24C2-48AA-9EFD-3E423A5F23CC}" dt="2023-10-17T05:37:50.099" v="13" actId="164"/>
+          <ac:spMkLst>
+            <pc:docMk/>
+            <pc:sldMk cId="1777097711" sldId="257"/>
+            <ac:spMk id="77" creationId="{D09E2BC8-1B80-52CC-2EEF-CE723C12B1A6}"/>
+          </ac:spMkLst>
+        </pc:spChg>
+        <pc:spChg chg="mod topLvl">
+          <ac:chgData name="勇介 真鍋" userId="6dbd1875255fc623" providerId="LiveId" clId="{810FE3BA-24C2-48AA-9EFD-3E423A5F23CC}" dt="2023-10-17T05:37:50.099" v="13" actId="164"/>
+          <ac:spMkLst>
+            <pc:docMk/>
+            <pc:sldMk cId="1777097711" sldId="257"/>
+            <ac:spMk id="79" creationId="{E9DF1520-934E-AECB-A766-DEBAA31F6C09}"/>
+          </ac:spMkLst>
+        </pc:spChg>
+        <pc:spChg chg="mod topLvl">
+          <ac:chgData name="勇介 真鍋" userId="6dbd1875255fc623" providerId="LiveId" clId="{810FE3BA-24C2-48AA-9EFD-3E423A5F23CC}" dt="2023-10-17T05:37:50.099" v="13" actId="164"/>
+          <ac:spMkLst>
+            <pc:docMk/>
+            <pc:sldMk cId="1777097711" sldId="257"/>
+            <ac:spMk id="85" creationId="{E06C2490-1923-7D7D-A015-A47CD78F379F}"/>
+          </ac:spMkLst>
+        </pc:spChg>
+        <pc:spChg chg="mod topLvl">
+          <ac:chgData name="勇介 真鍋" userId="6dbd1875255fc623" providerId="LiveId" clId="{810FE3BA-24C2-48AA-9EFD-3E423A5F23CC}" dt="2023-10-17T05:37:50.099" v="13" actId="164"/>
+          <ac:spMkLst>
+            <pc:docMk/>
+            <pc:sldMk cId="1777097711" sldId="257"/>
+            <ac:spMk id="86" creationId="{E44E426E-F4DA-A5BE-AA9A-B3740C6C2807}"/>
+          </ac:spMkLst>
+        </pc:spChg>
+        <pc:spChg chg="mod topLvl">
+          <ac:chgData name="勇介 真鍋" userId="6dbd1875255fc623" providerId="LiveId" clId="{810FE3BA-24C2-48AA-9EFD-3E423A5F23CC}" dt="2023-10-17T05:37:50.099" v="13" actId="164"/>
+          <ac:spMkLst>
+            <pc:docMk/>
+            <pc:sldMk cId="1777097711" sldId="257"/>
+            <ac:spMk id="87" creationId="{EDCB18D0-7105-576D-B057-F99B2ECBBDAF}"/>
+          </ac:spMkLst>
+        </pc:spChg>
+        <pc:spChg chg="mod topLvl">
+          <ac:chgData name="勇介 真鍋" userId="6dbd1875255fc623" providerId="LiveId" clId="{810FE3BA-24C2-48AA-9EFD-3E423A5F23CC}" dt="2023-10-17T05:37:50.099" v="13" actId="164"/>
+          <ac:spMkLst>
+            <pc:docMk/>
+            <pc:sldMk cId="1777097711" sldId="257"/>
+            <ac:spMk id="89" creationId="{004E5E3E-D82A-215D-38D7-98E10FC1112D}"/>
+          </ac:spMkLst>
+        </pc:spChg>
+        <pc:spChg chg="mod topLvl">
+          <ac:chgData name="勇介 真鍋" userId="6dbd1875255fc623" providerId="LiveId" clId="{810FE3BA-24C2-48AA-9EFD-3E423A5F23CC}" dt="2023-10-17T05:37:50.099" v="13" actId="164"/>
+          <ac:spMkLst>
+            <pc:docMk/>
+            <pc:sldMk cId="1777097711" sldId="257"/>
+            <ac:spMk id="90" creationId="{FD5C04FD-6DA9-834F-3143-46D1C8D055E6}"/>
+          </ac:spMkLst>
+        </pc:spChg>
+        <pc:spChg chg="mod topLvl">
+          <ac:chgData name="勇介 真鍋" userId="6dbd1875255fc623" providerId="LiveId" clId="{810FE3BA-24C2-48AA-9EFD-3E423A5F23CC}" dt="2023-10-17T05:37:50.099" v="13" actId="164"/>
+          <ac:spMkLst>
+            <pc:docMk/>
+            <pc:sldMk cId="1777097711" sldId="257"/>
+            <ac:spMk id="91" creationId="{5B9D616B-6ED5-F1E5-D2AA-820CAA924317}"/>
+          </ac:spMkLst>
+        </pc:spChg>
+        <pc:spChg chg="mod topLvl">
+          <ac:chgData name="勇介 真鍋" userId="6dbd1875255fc623" providerId="LiveId" clId="{810FE3BA-24C2-48AA-9EFD-3E423A5F23CC}" dt="2023-10-17T05:37:50.099" v="13" actId="164"/>
+          <ac:spMkLst>
+            <pc:docMk/>
+            <pc:sldMk cId="1777097711" sldId="257"/>
+            <ac:spMk id="92" creationId="{0CCBA92E-6561-78B8-B35D-6D82166C5D50}"/>
+          </ac:spMkLst>
+        </pc:spChg>
+        <pc:spChg chg="mod topLvl">
+          <ac:chgData name="勇介 真鍋" userId="6dbd1875255fc623" providerId="LiveId" clId="{810FE3BA-24C2-48AA-9EFD-3E423A5F23CC}" dt="2023-10-17T05:37:50.099" v="13" actId="164"/>
+          <ac:spMkLst>
+            <pc:docMk/>
+            <pc:sldMk cId="1777097711" sldId="257"/>
+            <ac:spMk id="94" creationId="{CB2FA12E-0CF0-04A5-787E-F32DF8A2216D}"/>
+          </ac:spMkLst>
+        </pc:spChg>
+        <pc:spChg chg="mod topLvl">
+          <ac:chgData name="勇介 真鍋" userId="6dbd1875255fc623" providerId="LiveId" clId="{810FE3BA-24C2-48AA-9EFD-3E423A5F23CC}" dt="2023-10-17T05:37:50.099" v="13" actId="164"/>
+          <ac:spMkLst>
+            <pc:docMk/>
+            <pc:sldMk cId="1777097711" sldId="257"/>
+            <ac:spMk id="95" creationId="{B1EBADA6-38AA-182C-4D5F-3C43AD4F8331}"/>
+          </ac:spMkLst>
+        </pc:spChg>
+        <pc:spChg chg="mod topLvl">
+          <ac:chgData name="勇介 真鍋" userId="6dbd1875255fc623" providerId="LiveId" clId="{810FE3BA-24C2-48AA-9EFD-3E423A5F23CC}" dt="2023-10-17T05:37:50.099" v="13" actId="164"/>
+          <ac:spMkLst>
+            <pc:docMk/>
+            <pc:sldMk cId="1777097711" sldId="257"/>
+            <ac:spMk id="97" creationId="{5AA1F309-5DB8-BB43-1E10-A49955B9458E}"/>
+          </ac:spMkLst>
+        </pc:spChg>
+        <pc:spChg chg="mod topLvl">
+          <ac:chgData name="勇介 真鍋" userId="6dbd1875255fc623" providerId="LiveId" clId="{810FE3BA-24C2-48AA-9EFD-3E423A5F23CC}" dt="2023-10-17T05:37:50.099" v="13" actId="164"/>
+          <ac:spMkLst>
+            <pc:docMk/>
+            <pc:sldMk cId="1777097711" sldId="257"/>
+            <ac:spMk id="98" creationId="{6C04E441-A1F2-E242-83EA-341AA9BFA3F2}"/>
+          </ac:spMkLst>
+        </pc:spChg>
+        <pc:spChg chg="mod topLvl">
+          <ac:chgData name="勇介 真鍋" userId="6dbd1875255fc623" providerId="LiveId" clId="{810FE3BA-24C2-48AA-9EFD-3E423A5F23CC}" dt="2023-10-17T05:37:50.099" v="13" actId="164"/>
+          <ac:spMkLst>
+            <pc:docMk/>
+            <pc:sldMk cId="1777097711" sldId="257"/>
+            <ac:spMk id="99" creationId="{E1E07C77-7115-CF9B-5CBB-2F9373416D76}"/>
+          </ac:spMkLst>
+        </pc:spChg>
+        <pc:spChg chg="mod topLvl">
+          <ac:chgData name="勇介 真鍋" userId="6dbd1875255fc623" providerId="LiveId" clId="{810FE3BA-24C2-48AA-9EFD-3E423A5F23CC}" dt="2023-10-17T05:37:50.099" v="13" actId="164"/>
+          <ac:spMkLst>
+            <pc:docMk/>
+            <pc:sldMk cId="1777097711" sldId="257"/>
+            <ac:spMk id="101" creationId="{228264D7-A156-130E-402B-D13B6A9E4EB7}"/>
+          </ac:spMkLst>
+        </pc:spChg>
+        <pc:spChg chg="mod topLvl">
+          <ac:chgData name="勇介 真鍋" userId="6dbd1875255fc623" providerId="LiveId" clId="{810FE3BA-24C2-48AA-9EFD-3E423A5F23CC}" dt="2023-10-17T05:37:50.099" v="13" actId="164"/>
+          <ac:spMkLst>
+            <pc:docMk/>
+            <pc:sldMk cId="1777097711" sldId="257"/>
+            <ac:spMk id="102" creationId="{95029FBE-1DB0-0DEE-E9B9-8E2834B9B85C}"/>
+          </ac:spMkLst>
+        </pc:spChg>
+        <pc:spChg chg="mod topLvl">
+          <ac:chgData name="勇介 真鍋" userId="6dbd1875255fc623" providerId="LiveId" clId="{810FE3BA-24C2-48AA-9EFD-3E423A5F23CC}" dt="2023-10-17T05:37:50.099" v="13" actId="164"/>
+          <ac:spMkLst>
+            <pc:docMk/>
+            <pc:sldMk cId="1777097711" sldId="257"/>
+            <ac:spMk id="106" creationId="{ABD7472B-ACD3-C1CF-FD60-902161CF2542}"/>
+          </ac:spMkLst>
+        </pc:spChg>
+        <pc:spChg chg="mod">
+          <ac:chgData name="勇介 真鍋" userId="6dbd1875255fc623" providerId="LiveId" clId="{810FE3BA-24C2-48AA-9EFD-3E423A5F23CC}" dt="2023-10-17T05:37:43.288" v="12" actId="165"/>
+          <ac:spMkLst>
+            <pc:docMk/>
+            <pc:sldMk cId="1777097711" sldId="257"/>
+            <ac:spMk id="107" creationId="{4C4187F6-1EC0-404C-6A78-E580C30EE3A3}"/>
+          </ac:spMkLst>
+        </pc:spChg>
+        <pc:spChg chg="mod">
+          <ac:chgData name="勇介 真鍋" userId="6dbd1875255fc623" providerId="LiveId" clId="{810FE3BA-24C2-48AA-9EFD-3E423A5F23CC}" dt="2023-10-17T05:37:43.288" v="12" actId="165"/>
+          <ac:spMkLst>
+            <pc:docMk/>
+            <pc:sldMk cId="1777097711" sldId="257"/>
+            <ac:spMk id="108" creationId="{6E8C1119-1DD8-AB63-CF8E-5D462C73CA46}"/>
+          </ac:spMkLst>
+        </pc:spChg>
+        <pc:spChg chg="mod">
+          <ac:chgData name="勇介 真鍋" userId="6dbd1875255fc623" providerId="LiveId" clId="{810FE3BA-24C2-48AA-9EFD-3E423A5F23CC}" dt="2023-10-17T05:37:43.288" v="12" actId="165"/>
+          <ac:spMkLst>
+            <pc:docMk/>
+            <pc:sldMk cId="1777097711" sldId="257"/>
+            <ac:spMk id="109" creationId="{E68826DB-3E50-A8A3-88B4-EE940127F164}"/>
+          </ac:spMkLst>
+        </pc:spChg>
+        <pc:spChg chg="mod">
+          <ac:chgData name="勇介 真鍋" userId="6dbd1875255fc623" providerId="LiveId" clId="{810FE3BA-24C2-48AA-9EFD-3E423A5F23CC}" dt="2023-10-17T05:37:43.288" v="12" actId="165"/>
+          <ac:spMkLst>
+            <pc:docMk/>
+            <pc:sldMk cId="1777097711" sldId="257"/>
+            <ac:spMk id="110" creationId="{125F8D4F-0FFF-5B61-474A-5F41512E2AB4}"/>
+          </ac:spMkLst>
+        </pc:spChg>
+        <pc:spChg chg="mod">
+          <ac:chgData name="勇介 真鍋" userId="6dbd1875255fc623" providerId="LiveId" clId="{810FE3BA-24C2-48AA-9EFD-3E423A5F23CC}" dt="2023-10-17T05:37:43.288" v="12" actId="165"/>
+          <ac:spMkLst>
+            <pc:docMk/>
+            <pc:sldMk cId="1777097711" sldId="257"/>
+            <ac:spMk id="111" creationId="{A8BFC2E5-706B-253F-E195-5FA8D6FFAAFB}"/>
+          </ac:spMkLst>
+        </pc:spChg>
+        <pc:spChg chg="mod">
+          <ac:chgData name="勇介 真鍋" userId="6dbd1875255fc623" providerId="LiveId" clId="{810FE3BA-24C2-48AA-9EFD-3E423A5F23CC}" dt="2023-10-17T05:37:43.288" v="12" actId="165"/>
+          <ac:spMkLst>
+            <pc:docMk/>
+            <pc:sldMk cId="1777097711" sldId="257"/>
+            <ac:spMk id="112" creationId="{B33101A0-12DC-129D-3F18-349F1277DB83}"/>
+          </ac:spMkLst>
+        </pc:spChg>
+        <pc:spChg chg="mod">
+          <ac:chgData name="勇介 真鍋" userId="6dbd1875255fc623" providerId="LiveId" clId="{810FE3BA-24C2-48AA-9EFD-3E423A5F23CC}" dt="2023-10-17T05:37:43.288" v="12" actId="165"/>
+          <ac:spMkLst>
+            <pc:docMk/>
+            <pc:sldMk cId="1777097711" sldId="257"/>
+            <ac:spMk id="113" creationId="{67C78A5F-1F60-ACAD-DC58-8983CA07262E}"/>
+          </ac:spMkLst>
+        </pc:spChg>
+        <pc:spChg chg="mod">
+          <ac:chgData name="勇介 真鍋" userId="6dbd1875255fc623" providerId="LiveId" clId="{810FE3BA-24C2-48AA-9EFD-3E423A5F23CC}" dt="2023-10-17T05:37:43.288" v="12" actId="165"/>
+          <ac:spMkLst>
+            <pc:docMk/>
+            <pc:sldMk cId="1777097711" sldId="257"/>
+            <ac:spMk id="114" creationId="{67A42544-C166-622A-EB6F-4EDBF379755F}"/>
+          </ac:spMkLst>
+        </pc:spChg>
+        <pc:spChg chg="mod topLvl">
+          <ac:chgData name="勇介 真鍋" userId="6dbd1875255fc623" providerId="LiveId" clId="{810FE3BA-24C2-48AA-9EFD-3E423A5F23CC}" dt="2023-10-17T05:37:50.099" v="13" actId="164"/>
+          <ac:spMkLst>
+            <pc:docMk/>
+            <pc:sldMk cId="1777097711" sldId="257"/>
+            <ac:spMk id="116" creationId="{FEEA330E-43D6-5AE4-1C8C-A3946C9A616B}"/>
+          </ac:spMkLst>
+        </pc:spChg>
+        <pc:spChg chg="mod topLvl">
+          <ac:chgData name="勇介 真鍋" userId="6dbd1875255fc623" providerId="LiveId" clId="{810FE3BA-24C2-48AA-9EFD-3E423A5F23CC}" dt="2023-10-17T05:37:50.099" v="13" actId="164"/>
+          <ac:spMkLst>
+            <pc:docMk/>
+            <pc:sldMk cId="1777097711" sldId="257"/>
+            <ac:spMk id="118" creationId="{EC01562A-79C5-EEB7-0183-3BD2BC81694A}"/>
+          </ac:spMkLst>
+        </pc:spChg>
+        <pc:spChg chg="mod">
+          <ac:chgData name="勇介 真鍋" userId="6dbd1875255fc623" providerId="LiveId" clId="{810FE3BA-24C2-48AA-9EFD-3E423A5F23CC}" dt="2023-10-17T05:37:43.288" v="12" actId="165"/>
+          <ac:spMkLst>
+            <pc:docMk/>
+            <pc:sldMk cId="1777097711" sldId="257"/>
+            <ac:spMk id="119" creationId="{2C5D5F3A-FE59-9F51-DC6A-A59585C393F1}"/>
+          </ac:spMkLst>
+        </pc:spChg>
+        <pc:spChg chg="mod">
+          <ac:chgData name="勇介 真鍋" userId="6dbd1875255fc623" providerId="LiveId" clId="{810FE3BA-24C2-48AA-9EFD-3E423A5F23CC}" dt="2023-10-17T05:37:43.288" v="12" actId="165"/>
+          <ac:spMkLst>
+            <pc:docMk/>
+            <pc:sldMk cId="1777097711" sldId="257"/>
+            <ac:spMk id="120" creationId="{F492E984-2B7A-CCDA-BA89-143972282980}"/>
+          </ac:spMkLst>
+        </pc:spChg>
+        <pc:spChg chg="mod">
+          <ac:chgData name="勇介 真鍋" userId="6dbd1875255fc623" providerId="LiveId" clId="{810FE3BA-24C2-48AA-9EFD-3E423A5F23CC}" dt="2023-10-17T05:37:43.288" v="12" actId="165"/>
+          <ac:spMkLst>
+            <pc:docMk/>
+            <pc:sldMk cId="1777097711" sldId="257"/>
+            <ac:spMk id="121" creationId="{127D646A-FCAC-F9C3-90CD-BA06DC15940D}"/>
+          </ac:spMkLst>
+        </pc:spChg>
+        <pc:spChg chg="mod">
+          <ac:chgData name="勇介 真鍋" userId="6dbd1875255fc623" providerId="LiveId" clId="{810FE3BA-24C2-48AA-9EFD-3E423A5F23CC}" dt="2023-10-17T05:37:43.288" v="12" actId="165"/>
+          <ac:spMkLst>
+            <pc:docMk/>
+            <pc:sldMk cId="1777097711" sldId="257"/>
+            <ac:spMk id="122" creationId="{03E89852-CC23-6733-348A-2709C85F2C70}"/>
+          </ac:spMkLst>
+        </pc:spChg>
+        <pc:spChg chg="mod">
+          <ac:chgData name="勇介 真鍋" userId="6dbd1875255fc623" providerId="LiveId" clId="{810FE3BA-24C2-48AA-9EFD-3E423A5F23CC}" dt="2023-10-17T05:37:43.288" v="12" actId="165"/>
+          <ac:spMkLst>
+            <pc:docMk/>
+            <pc:sldMk cId="1777097711" sldId="257"/>
+            <ac:spMk id="123" creationId="{9693C5DC-E65D-3CDB-6B86-37AB4078EA02}"/>
+          </ac:spMkLst>
+        </pc:spChg>
+        <pc:spChg chg="mod">
+          <ac:chgData name="勇介 真鍋" userId="6dbd1875255fc623" providerId="LiveId" clId="{810FE3BA-24C2-48AA-9EFD-3E423A5F23CC}" dt="2023-10-17T05:37:43.288" v="12" actId="165"/>
+          <ac:spMkLst>
+            <pc:docMk/>
+            <pc:sldMk cId="1777097711" sldId="257"/>
+            <ac:spMk id="124" creationId="{8107CFF7-6998-7C6A-9C0E-6271176370CB}"/>
+          </ac:spMkLst>
+        </pc:spChg>
+        <pc:spChg chg="mod topLvl">
+          <ac:chgData name="勇介 真鍋" userId="6dbd1875255fc623" providerId="LiveId" clId="{810FE3BA-24C2-48AA-9EFD-3E423A5F23CC}" dt="2023-10-17T05:37:50.099" v="13" actId="164"/>
+          <ac:spMkLst>
+            <pc:docMk/>
+            <pc:sldMk cId="1777097711" sldId="257"/>
+            <ac:spMk id="129" creationId="{9AC0981E-418C-C24D-7AAF-72FF2A65F6FD}"/>
+          </ac:spMkLst>
+        </pc:spChg>
+        <pc:spChg chg="mod topLvl">
+          <ac:chgData name="勇介 真鍋" userId="6dbd1875255fc623" providerId="LiveId" clId="{810FE3BA-24C2-48AA-9EFD-3E423A5F23CC}" dt="2023-10-17T05:37:50.099" v="13" actId="164"/>
+          <ac:spMkLst>
+            <pc:docMk/>
+            <pc:sldMk cId="1777097711" sldId="257"/>
+            <ac:spMk id="130" creationId="{61F9FB5F-E4F2-1385-1E7F-673FC8852609}"/>
+          </ac:spMkLst>
+        </pc:spChg>
+        <pc:spChg chg="mod topLvl">
+          <ac:chgData name="勇介 真鍋" userId="6dbd1875255fc623" providerId="LiveId" clId="{810FE3BA-24C2-48AA-9EFD-3E423A5F23CC}" dt="2023-10-17T05:37:50.099" v="13" actId="164"/>
+          <ac:spMkLst>
+            <pc:docMk/>
+            <pc:sldMk cId="1777097711" sldId="257"/>
+            <ac:spMk id="131" creationId="{50BC606F-31EB-CDDC-A98A-42FD3F7319EF}"/>
+          </ac:spMkLst>
+        </pc:spChg>
+        <pc:spChg chg="mod topLvl">
+          <ac:chgData name="勇介 真鍋" userId="6dbd1875255fc623" providerId="LiveId" clId="{810FE3BA-24C2-48AA-9EFD-3E423A5F23CC}" dt="2023-10-17T05:37:50.099" v="13" actId="164"/>
+          <ac:spMkLst>
+            <pc:docMk/>
+            <pc:sldMk cId="1777097711" sldId="257"/>
+            <ac:spMk id="133" creationId="{5DEB4AD3-552D-8DC2-665E-DAEF3ACB7AFF}"/>
+          </ac:spMkLst>
+        </pc:spChg>
+        <pc:spChg chg="mod topLvl">
+          <ac:chgData name="勇介 真鍋" userId="6dbd1875255fc623" providerId="LiveId" clId="{810FE3BA-24C2-48AA-9EFD-3E423A5F23CC}" dt="2023-10-17T05:37:50.099" v="13" actId="164"/>
+          <ac:spMkLst>
+            <pc:docMk/>
+            <pc:sldMk cId="1777097711" sldId="257"/>
+            <ac:spMk id="136" creationId="{621D02A4-0561-B75D-D89E-C5E6B5A480DA}"/>
+          </ac:spMkLst>
+        </pc:spChg>
+        <pc:spChg chg="mod topLvl">
+          <ac:chgData name="勇介 真鍋" userId="6dbd1875255fc623" providerId="LiveId" clId="{810FE3BA-24C2-48AA-9EFD-3E423A5F23CC}" dt="2023-10-17T05:37:50.099" v="13" actId="164"/>
+          <ac:spMkLst>
+            <pc:docMk/>
+            <pc:sldMk cId="1777097711" sldId="257"/>
+            <ac:spMk id="141" creationId="{847A84AF-8677-922D-B1B7-AA1AEA6100AF}"/>
+          </ac:spMkLst>
+        </pc:spChg>
+        <pc:spChg chg="mod topLvl">
+          <ac:chgData name="勇介 真鍋" userId="6dbd1875255fc623" providerId="LiveId" clId="{810FE3BA-24C2-48AA-9EFD-3E423A5F23CC}" dt="2023-10-17T05:37:50.099" v="13" actId="164"/>
+          <ac:spMkLst>
+            <pc:docMk/>
+            <pc:sldMk cId="1777097711" sldId="257"/>
+            <ac:spMk id="142" creationId="{E0675373-380A-8D0E-29E8-A3B0548118B4}"/>
+          </ac:spMkLst>
+        </pc:spChg>
+        <pc:spChg chg="mod topLvl">
+          <ac:chgData name="勇介 真鍋" userId="6dbd1875255fc623" providerId="LiveId" clId="{810FE3BA-24C2-48AA-9EFD-3E423A5F23CC}" dt="2023-10-17T05:37:50.099" v="13" actId="164"/>
+          <ac:spMkLst>
+            <pc:docMk/>
+            <pc:sldMk cId="1777097711" sldId="257"/>
+            <ac:spMk id="143" creationId="{7A6FEB0D-3CAE-A3BE-2307-31185C4EB275}"/>
+          </ac:spMkLst>
+        </pc:spChg>
+        <pc:spChg chg="mod topLvl">
+          <ac:chgData name="勇介 真鍋" userId="6dbd1875255fc623" providerId="LiveId" clId="{810FE3BA-24C2-48AA-9EFD-3E423A5F23CC}" dt="2023-10-17T05:37:50.099" v="13" actId="164"/>
+          <ac:spMkLst>
+            <pc:docMk/>
+            <pc:sldMk cId="1777097711" sldId="257"/>
+            <ac:spMk id="144" creationId="{AE368F10-D350-3A3B-5893-520C1683CC73}"/>
+          </ac:spMkLst>
+        </pc:spChg>
+        <pc:spChg chg="mod topLvl">
+          <ac:chgData name="勇介 真鍋" userId="6dbd1875255fc623" providerId="LiveId" clId="{810FE3BA-24C2-48AA-9EFD-3E423A5F23CC}" dt="2023-10-17T05:37:50.099" v="13" actId="164"/>
+          <ac:spMkLst>
+            <pc:docMk/>
+            <pc:sldMk cId="1777097711" sldId="257"/>
+            <ac:spMk id="145" creationId="{C505A822-18E3-A146-A78A-F5F2008AF6FE}"/>
+          </ac:spMkLst>
+        </pc:spChg>
+        <pc:spChg chg="mod topLvl">
+          <ac:chgData name="勇介 真鍋" userId="6dbd1875255fc623" providerId="LiveId" clId="{810FE3BA-24C2-48AA-9EFD-3E423A5F23CC}" dt="2023-10-17T05:37:50.099" v="13" actId="164"/>
+          <ac:spMkLst>
+            <pc:docMk/>
+            <pc:sldMk cId="1777097711" sldId="257"/>
+            <ac:spMk id="146" creationId="{B5DFBF3C-856A-3BB2-537C-6657DF01D7F0}"/>
+          </ac:spMkLst>
+        </pc:spChg>
+        <pc:spChg chg="mod topLvl">
+          <ac:chgData name="勇介 真鍋" userId="6dbd1875255fc623" providerId="LiveId" clId="{810FE3BA-24C2-48AA-9EFD-3E423A5F23CC}" dt="2023-10-17T05:37:50.099" v="13" actId="164"/>
+          <ac:spMkLst>
+            <pc:docMk/>
+            <pc:sldMk cId="1777097711" sldId="257"/>
+            <ac:spMk id="147" creationId="{77D68F11-3D50-88A9-8429-E63CF920180E}"/>
+          </ac:spMkLst>
+        </pc:spChg>
+        <pc:spChg chg="mod topLvl">
+          <ac:chgData name="勇介 真鍋" userId="6dbd1875255fc623" providerId="LiveId" clId="{810FE3BA-24C2-48AA-9EFD-3E423A5F23CC}" dt="2023-10-17T05:37:50.099" v="13" actId="164"/>
+          <ac:spMkLst>
+            <pc:docMk/>
+            <pc:sldMk cId="1777097711" sldId="257"/>
+            <ac:spMk id="148" creationId="{F8794988-142A-DFC7-60B7-8908FE838247}"/>
+          </ac:spMkLst>
+        </pc:spChg>
+        <pc:spChg chg="mod topLvl">
+          <ac:chgData name="勇介 真鍋" userId="6dbd1875255fc623" providerId="LiveId" clId="{810FE3BA-24C2-48AA-9EFD-3E423A5F23CC}" dt="2023-10-17T05:37:50.099" v="13" actId="164"/>
+          <ac:spMkLst>
+            <pc:docMk/>
+            <pc:sldMk cId="1777097711" sldId="257"/>
+            <ac:spMk id="149" creationId="{BF005A85-62D9-6F3F-6227-D2E3DB48F7E2}"/>
+          </ac:spMkLst>
+        </pc:spChg>
+        <pc:spChg chg="mod topLvl">
+          <ac:chgData name="勇介 真鍋" userId="6dbd1875255fc623" providerId="LiveId" clId="{810FE3BA-24C2-48AA-9EFD-3E423A5F23CC}" dt="2023-10-17T05:37:50.099" v="13" actId="164"/>
+          <ac:spMkLst>
+            <pc:docMk/>
+            <pc:sldMk cId="1777097711" sldId="257"/>
+            <ac:spMk id="150" creationId="{1866F700-9481-F222-4C9B-A5218DD9D76E}"/>
+          </ac:spMkLst>
+        </pc:spChg>
+        <pc:spChg chg="mod topLvl">
+          <ac:chgData name="勇介 真鍋" userId="6dbd1875255fc623" providerId="LiveId" clId="{810FE3BA-24C2-48AA-9EFD-3E423A5F23CC}" dt="2023-10-17T05:37:50.099" v="13" actId="164"/>
+          <ac:spMkLst>
+            <pc:docMk/>
+            <pc:sldMk cId="1777097711" sldId="257"/>
+            <ac:spMk id="151" creationId="{8336D2C8-8802-EB20-1197-9CB7F045A1A9}"/>
+          </ac:spMkLst>
+        </pc:spChg>
+        <pc:grpChg chg="del">
+          <ac:chgData name="勇介 真鍋" userId="6dbd1875255fc623" providerId="LiveId" clId="{810FE3BA-24C2-48AA-9EFD-3E423A5F23CC}" dt="2023-10-17T05:37:43.288" v="12" actId="165"/>
+          <ac:grpSpMkLst>
+            <pc:docMk/>
+            <pc:sldMk cId="1777097711" sldId="257"/>
+            <ac:grpSpMk id="3" creationId="{2BA7B35E-8B58-2FAC-101F-FE4199FB82E2}"/>
+          </ac:grpSpMkLst>
+        </pc:grpChg>
+        <pc:grpChg chg="add mod">
+          <ac:chgData name="勇介 真鍋" userId="6dbd1875255fc623" providerId="LiveId" clId="{810FE3BA-24C2-48AA-9EFD-3E423A5F23CC}" dt="2023-10-17T05:37:50.099" v="13" actId="164"/>
+          <ac:grpSpMkLst>
+            <pc:docMk/>
+            <pc:sldMk cId="1777097711" sldId="257"/>
+            <ac:grpSpMk id="7" creationId="{EDB8406E-EE7A-1C51-5197-E4E355F33150}"/>
+          </ac:grpSpMkLst>
+        </pc:grpChg>
+        <pc:grpChg chg="mod topLvl">
+          <ac:chgData name="勇介 真鍋" userId="6dbd1875255fc623" providerId="LiveId" clId="{810FE3BA-24C2-48AA-9EFD-3E423A5F23CC}" dt="2023-10-17T05:37:50.099" v="13" actId="164"/>
+          <ac:grpSpMkLst>
+            <pc:docMk/>
+            <pc:sldMk cId="1777097711" sldId="257"/>
+            <ac:grpSpMk id="42" creationId="{4650D82F-13F7-FA6E-C502-B3BF99EA69B0}"/>
+          </ac:grpSpMkLst>
+        </pc:grpChg>
+        <pc:grpChg chg="mod topLvl">
+          <ac:chgData name="勇介 真鍋" userId="6dbd1875255fc623" providerId="LiveId" clId="{810FE3BA-24C2-48AA-9EFD-3E423A5F23CC}" dt="2023-10-17T05:37:50.099" v="13" actId="164"/>
+          <ac:grpSpMkLst>
+            <pc:docMk/>
+            <pc:sldMk cId="1777097711" sldId="257"/>
+            <ac:grpSpMk id="46" creationId="{317FBDED-DCCC-2BD3-EF8B-C8C39895CA04}"/>
+          </ac:grpSpMkLst>
+        </pc:grpChg>
+        <pc:grpChg chg="mod topLvl">
+          <ac:chgData name="勇介 真鍋" userId="6dbd1875255fc623" providerId="LiveId" clId="{810FE3BA-24C2-48AA-9EFD-3E423A5F23CC}" dt="2023-10-17T05:37:50.099" v="13" actId="164"/>
+          <ac:grpSpMkLst>
+            <pc:docMk/>
+            <pc:sldMk cId="1777097711" sldId="257"/>
+            <ac:grpSpMk id="52" creationId="{15AAC6E2-E44E-0E84-0FE1-E35CDAE5147D}"/>
+          </ac:grpSpMkLst>
+        </pc:grpChg>
+        <pc:grpChg chg="mod topLvl">
+          <ac:chgData name="勇介 真鍋" userId="6dbd1875255fc623" providerId="LiveId" clId="{810FE3BA-24C2-48AA-9EFD-3E423A5F23CC}" dt="2023-10-17T05:37:50.099" v="13" actId="164"/>
+          <ac:grpSpMkLst>
+            <pc:docMk/>
+            <pc:sldMk cId="1777097711" sldId="257"/>
+            <ac:grpSpMk id="88" creationId="{17E807FC-CC36-F6DD-EA05-B251060F7E04}"/>
+          </ac:grpSpMkLst>
+        </pc:grpChg>
+        <pc:grpChg chg="mod topLvl">
+          <ac:chgData name="勇介 真鍋" userId="6dbd1875255fc623" providerId="LiveId" clId="{810FE3BA-24C2-48AA-9EFD-3E423A5F23CC}" dt="2023-10-17T05:37:50.099" v="13" actId="164"/>
+          <ac:grpSpMkLst>
+            <pc:docMk/>
+            <pc:sldMk cId="1777097711" sldId="257"/>
+            <ac:grpSpMk id="93" creationId="{539E540E-9BCE-99F3-C7EB-B1BA30E391DF}"/>
+          </ac:grpSpMkLst>
+        </pc:grpChg>
+        <pc:grpChg chg="mod topLvl">
+          <ac:chgData name="勇介 真鍋" userId="6dbd1875255fc623" providerId="LiveId" clId="{810FE3BA-24C2-48AA-9EFD-3E423A5F23CC}" dt="2023-10-17T05:37:50.099" v="13" actId="164"/>
+          <ac:grpSpMkLst>
+            <pc:docMk/>
+            <pc:sldMk cId="1777097711" sldId="257"/>
+            <ac:grpSpMk id="100" creationId="{D5996FB0-010A-2CC4-457D-A6A5FAB5D0B0}"/>
+          </ac:grpSpMkLst>
+        </pc:grpChg>
+        <pc:grpChg chg="mod topLvl">
+          <ac:chgData name="勇介 真鍋" userId="6dbd1875255fc623" providerId="LiveId" clId="{810FE3BA-24C2-48AA-9EFD-3E423A5F23CC}" dt="2023-10-17T05:37:50.099" v="13" actId="164"/>
+          <ac:grpSpMkLst>
+            <pc:docMk/>
+            <pc:sldMk cId="1777097711" sldId="257"/>
+            <ac:grpSpMk id="105" creationId="{995D7BC9-96E0-5B7F-F93F-43F534DA47AF}"/>
+          </ac:grpSpMkLst>
+        </pc:grpChg>
+      </pc:sldChg>
+      <pc:sldChg chg="addSp delSp modSp mod">
+        <pc:chgData name="勇介 真鍋" userId="6dbd1875255fc623" providerId="LiveId" clId="{810FE3BA-24C2-48AA-9EFD-3E423A5F23CC}" dt="2023-10-17T05:35:11.688" v="6" actId="164"/>
+        <pc:sldMkLst>
+          <pc:docMk/>
+          <pc:sldMk cId="3297165260" sldId="258"/>
+        </pc:sldMkLst>
+        <pc:spChg chg="add mod ord">
+          <ac:chgData name="勇介 真鍋" userId="6dbd1875255fc623" providerId="LiveId" clId="{810FE3BA-24C2-48AA-9EFD-3E423A5F23CC}" dt="2023-10-17T05:35:11.688" v="6" actId="164"/>
+          <ac:spMkLst>
+            <pc:docMk/>
+            <pc:sldMk cId="3297165260" sldId="258"/>
+            <ac:spMk id="2" creationId="{59350473-BD04-1D45-91B4-6EE8CBCBBF0F}"/>
+          </ac:spMkLst>
+        </pc:spChg>
+        <pc:spChg chg="mod topLvl">
+          <ac:chgData name="勇介 真鍋" userId="6dbd1875255fc623" providerId="LiveId" clId="{810FE3BA-24C2-48AA-9EFD-3E423A5F23CC}" dt="2023-10-17T05:35:11.688" v="6" actId="164"/>
+          <ac:spMkLst>
+            <pc:docMk/>
+            <pc:sldMk cId="3297165260" sldId="258"/>
+            <ac:spMk id="5" creationId="{CE6C8439-857B-363F-A15E-6BA36062056E}"/>
+          </ac:spMkLst>
+        </pc:spChg>
+        <pc:spChg chg="mod topLvl">
+          <ac:chgData name="勇介 真鍋" userId="6dbd1875255fc623" providerId="LiveId" clId="{810FE3BA-24C2-48AA-9EFD-3E423A5F23CC}" dt="2023-10-17T05:35:11.688" v="6" actId="164"/>
+          <ac:spMkLst>
+            <pc:docMk/>
+            <pc:sldMk cId="3297165260" sldId="258"/>
+            <ac:spMk id="6" creationId="{E281806D-0D02-E1C6-9871-B8B99D688E60}"/>
+          </ac:spMkLst>
+        </pc:spChg>
+        <pc:spChg chg="mod topLvl">
+          <ac:chgData name="勇介 真鍋" userId="6dbd1875255fc623" providerId="LiveId" clId="{810FE3BA-24C2-48AA-9EFD-3E423A5F23CC}" dt="2023-10-17T05:35:11.688" v="6" actId="164"/>
+          <ac:spMkLst>
+            <pc:docMk/>
+            <pc:sldMk cId="3297165260" sldId="258"/>
+            <ac:spMk id="7" creationId="{517B0433-FCE9-419D-683B-B3335BD43E86}"/>
+          </ac:spMkLst>
+        </pc:spChg>
+        <pc:spChg chg="mod topLvl">
+          <ac:chgData name="勇介 真鍋" userId="6dbd1875255fc623" providerId="LiveId" clId="{810FE3BA-24C2-48AA-9EFD-3E423A5F23CC}" dt="2023-10-17T05:35:11.688" v="6" actId="164"/>
+          <ac:spMkLst>
+            <pc:docMk/>
+            <pc:sldMk cId="3297165260" sldId="258"/>
+            <ac:spMk id="12" creationId="{B865EB34-0A42-724A-AEE7-D90FA6301CC9}"/>
+          </ac:spMkLst>
+        </pc:spChg>
+        <pc:spChg chg="mod topLvl">
+          <ac:chgData name="勇介 真鍋" userId="6dbd1875255fc623" providerId="LiveId" clId="{810FE3BA-24C2-48AA-9EFD-3E423A5F23CC}" dt="2023-10-17T05:35:11.688" v="6" actId="164"/>
+          <ac:spMkLst>
+            <pc:docMk/>
+            <pc:sldMk cId="3297165260" sldId="258"/>
+            <ac:spMk id="13" creationId="{AEF1473E-E761-9500-77DB-DA50DC5F506B}"/>
+          </ac:spMkLst>
+        </pc:spChg>
+        <pc:spChg chg="mod topLvl">
+          <ac:chgData name="勇介 真鍋" userId="6dbd1875255fc623" providerId="LiveId" clId="{810FE3BA-24C2-48AA-9EFD-3E423A5F23CC}" dt="2023-10-17T05:35:11.688" v="6" actId="164"/>
+          <ac:spMkLst>
+            <pc:docMk/>
+            <pc:sldMk cId="3297165260" sldId="258"/>
+            <ac:spMk id="14" creationId="{A3F7256A-0AC1-ABFF-6CB8-690D7D8E8B92}"/>
+          </ac:spMkLst>
+        </pc:spChg>
+        <pc:spChg chg="mod topLvl">
+          <ac:chgData name="勇介 真鍋" userId="6dbd1875255fc623" providerId="LiveId" clId="{810FE3BA-24C2-48AA-9EFD-3E423A5F23CC}" dt="2023-10-17T05:35:11.688" v="6" actId="164"/>
+          <ac:spMkLst>
+            <pc:docMk/>
+            <pc:sldMk cId="3297165260" sldId="258"/>
+            <ac:spMk id="15" creationId="{FFCC6C04-4011-5063-12EF-C4E79BC3C8F1}"/>
+          </ac:spMkLst>
+        </pc:spChg>
+        <pc:spChg chg="mod topLvl">
+          <ac:chgData name="勇介 真鍋" userId="6dbd1875255fc623" providerId="LiveId" clId="{810FE3BA-24C2-48AA-9EFD-3E423A5F23CC}" dt="2023-10-17T05:35:11.688" v="6" actId="164"/>
+          <ac:spMkLst>
+            <pc:docMk/>
+            <pc:sldMk cId="3297165260" sldId="258"/>
+            <ac:spMk id="16" creationId="{B13EBADE-F912-E800-FBCE-99D233A799CB}"/>
+          </ac:spMkLst>
+        </pc:spChg>
+        <pc:spChg chg="mod topLvl">
+          <ac:chgData name="勇介 真鍋" userId="6dbd1875255fc623" providerId="LiveId" clId="{810FE3BA-24C2-48AA-9EFD-3E423A5F23CC}" dt="2023-10-17T05:35:11.688" v="6" actId="164"/>
+          <ac:spMkLst>
+            <pc:docMk/>
+            <pc:sldMk cId="3297165260" sldId="258"/>
+            <ac:spMk id="17" creationId="{2CF72B1A-E6F0-3D64-2758-5CF12D973CB9}"/>
+          </ac:spMkLst>
+        </pc:spChg>
+        <pc:grpChg chg="add mod">
+          <ac:chgData name="勇介 真鍋" userId="6dbd1875255fc623" providerId="LiveId" clId="{810FE3BA-24C2-48AA-9EFD-3E423A5F23CC}" dt="2023-10-17T05:35:11.688" v="6" actId="164"/>
+          <ac:grpSpMkLst>
+            <pc:docMk/>
+            <pc:sldMk cId="3297165260" sldId="258"/>
+            <ac:grpSpMk id="3" creationId="{EEEE5479-6E2B-997D-E0E2-C55D4210C742}"/>
+          </ac:grpSpMkLst>
+        </pc:grpChg>
+        <pc:grpChg chg="del">
+          <ac:chgData name="勇介 真鍋" userId="6dbd1875255fc623" providerId="LiveId" clId="{810FE3BA-24C2-48AA-9EFD-3E423A5F23CC}" dt="2023-10-17T05:35:03.984" v="5" actId="165"/>
+          <ac:grpSpMkLst>
+            <pc:docMk/>
+            <pc:sldMk cId="3297165260" sldId="258"/>
+            <ac:grpSpMk id="48" creationId="{33CFF42C-310F-AFF9-C2F2-A70CB7E0306B}"/>
+          </ac:grpSpMkLst>
+        </pc:grpChg>
+        <pc:picChg chg="mod topLvl">
+          <ac:chgData name="勇介 真鍋" userId="6dbd1875255fc623" providerId="LiveId" clId="{810FE3BA-24C2-48AA-9EFD-3E423A5F23CC}" dt="2023-10-17T05:35:11.688" v="6" actId="164"/>
+          <ac:picMkLst>
+            <pc:docMk/>
+            <pc:sldMk cId="3297165260" sldId="258"/>
+            <ac:picMk id="9" creationId="{D896842A-20FE-1A8A-03D4-B7395D7CF857}"/>
+          </ac:picMkLst>
+        </pc:picChg>
+        <pc:picChg chg="mod topLvl">
+          <ac:chgData name="勇介 真鍋" userId="6dbd1875255fc623" providerId="LiveId" clId="{810FE3BA-24C2-48AA-9EFD-3E423A5F23CC}" dt="2023-10-17T05:35:11.688" v="6" actId="164"/>
+          <ac:picMkLst>
+            <pc:docMk/>
+            <pc:sldMk cId="3297165260" sldId="258"/>
+            <ac:picMk id="10" creationId="{81383133-E2AE-112E-3412-737948276885}"/>
+          </ac:picMkLst>
+        </pc:picChg>
+        <pc:picChg chg="mod topLvl">
+          <ac:chgData name="勇介 真鍋" userId="6dbd1875255fc623" providerId="LiveId" clId="{810FE3BA-24C2-48AA-9EFD-3E423A5F23CC}" dt="2023-10-17T05:35:11.688" v="6" actId="164"/>
+          <ac:picMkLst>
+            <pc:docMk/>
+            <pc:sldMk cId="3297165260" sldId="258"/>
+            <ac:picMk id="11" creationId="{58FC913C-8D6F-DD6C-E098-CBD17F91EC3F}"/>
+          </ac:picMkLst>
+        </pc:picChg>
+        <pc:picChg chg="mod topLvl">
+          <ac:chgData name="勇介 真鍋" userId="6dbd1875255fc623" providerId="LiveId" clId="{810FE3BA-24C2-48AA-9EFD-3E423A5F23CC}" dt="2023-10-17T05:35:11.688" v="6" actId="164"/>
+          <ac:picMkLst>
+            <pc:docMk/>
+            <pc:sldMk cId="3297165260" sldId="258"/>
+            <ac:picMk id="19" creationId="{196BF31D-6D10-BBA9-9C73-BCEBB244F61C}"/>
+          </ac:picMkLst>
+        </pc:picChg>
+        <pc:picChg chg="mod topLvl">
+          <ac:chgData name="勇介 真鍋" userId="6dbd1875255fc623" providerId="LiveId" clId="{810FE3BA-24C2-48AA-9EFD-3E423A5F23CC}" dt="2023-10-17T05:35:11.688" v="6" actId="164"/>
+          <ac:picMkLst>
+            <pc:docMk/>
+            <pc:sldMk cId="3297165260" sldId="258"/>
+            <ac:picMk id="30" creationId="{4D92D104-747B-7258-B01A-8DEA7216934D}"/>
+          </ac:picMkLst>
+        </pc:picChg>
+        <pc:picChg chg="mod topLvl">
+          <ac:chgData name="勇介 真鍋" userId="6dbd1875255fc623" providerId="LiveId" clId="{810FE3BA-24C2-48AA-9EFD-3E423A5F23CC}" dt="2023-10-17T05:35:11.688" v="6" actId="164"/>
+          <ac:picMkLst>
+            <pc:docMk/>
+            <pc:sldMk cId="3297165260" sldId="258"/>
+            <ac:picMk id="31" creationId="{4E0DC781-6753-4A05-C49A-92691D0C0B3C}"/>
+          </ac:picMkLst>
+        </pc:picChg>
+        <pc:picChg chg="mod topLvl">
+          <ac:chgData name="勇介 真鍋" userId="6dbd1875255fc623" providerId="LiveId" clId="{810FE3BA-24C2-48AA-9EFD-3E423A5F23CC}" dt="2023-10-17T05:35:11.688" v="6" actId="164"/>
+          <ac:picMkLst>
+            <pc:docMk/>
+            <pc:sldMk cId="3297165260" sldId="258"/>
+            <ac:picMk id="33" creationId="{F3FCF569-C52B-C858-DF77-FB33F4FF977D}"/>
+          </ac:picMkLst>
+        </pc:picChg>
+        <pc:picChg chg="mod topLvl">
+          <ac:chgData name="勇介 真鍋" userId="6dbd1875255fc623" providerId="LiveId" clId="{810FE3BA-24C2-48AA-9EFD-3E423A5F23CC}" dt="2023-10-17T05:35:11.688" v="6" actId="164"/>
+          <ac:picMkLst>
+            <pc:docMk/>
+            <pc:sldMk cId="3297165260" sldId="258"/>
+            <ac:picMk id="34" creationId="{5A47704F-1C1A-37DC-E63C-BA7F101ACB85}"/>
+          </ac:picMkLst>
+        </pc:picChg>
+        <pc:picChg chg="mod topLvl">
+          <ac:chgData name="勇介 真鍋" userId="6dbd1875255fc623" providerId="LiveId" clId="{810FE3BA-24C2-48AA-9EFD-3E423A5F23CC}" dt="2023-10-17T05:35:11.688" v="6" actId="164"/>
+          <ac:picMkLst>
+            <pc:docMk/>
+            <pc:sldMk cId="3297165260" sldId="258"/>
+            <ac:picMk id="35" creationId="{E38906B8-D633-54D5-6E57-E6367551DA06}"/>
+          </ac:picMkLst>
+        </pc:picChg>
+        <pc:picChg chg="mod topLvl">
+          <ac:chgData name="勇介 真鍋" userId="6dbd1875255fc623" providerId="LiveId" clId="{810FE3BA-24C2-48AA-9EFD-3E423A5F23CC}" dt="2023-10-17T05:35:11.688" v="6" actId="164"/>
+          <ac:picMkLst>
+            <pc:docMk/>
+            <pc:sldMk cId="3297165260" sldId="258"/>
+            <ac:picMk id="37" creationId="{0C253D6E-089D-5E7C-9E6A-29AD46300114}"/>
+          </ac:picMkLst>
+        </pc:picChg>
+        <pc:picChg chg="mod topLvl">
+          <ac:chgData name="勇介 真鍋" userId="6dbd1875255fc623" providerId="LiveId" clId="{810FE3BA-24C2-48AA-9EFD-3E423A5F23CC}" dt="2023-10-17T05:35:11.688" v="6" actId="164"/>
+          <ac:picMkLst>
+            <pc:docMk/>
+            <pc:sldMk cId="3297165260" sldId="258"/>
+            <ac:picMk id="38" creationId="{24CC7BFC-8D35-14FD-A80A-207EF7044345}"/>
+          </ac:picMkLst>
+        </pc:picChg>
+        <pc:picChg chg="mod topLvl">
+          <ac:chgData name="勇介 真鍋" userId="6dbd1875255fc623" providerId="LiveId" clId="{810FE3BA-24C2-48AA-9EFD-3E423A5F23CC}" dt="2023-10-17T05:35:11.688" v="6" actId="164"/>
+          <ac:picMkLst>
+            <pc:docMk/>
+            <pc:sldMk cId="3297165260" sldId="258"/>
+            <ac:picMk id="39" creationId="{7742412A-0837-20A3-51E7-6D29BBFA5941}"/>
+          </ac:picMkLst>
+        </pc:picChg>
+        <pc:picChg chg="mod topLvl">
+          <ac:chgData name="勇介 真鍋" userId="6dbd1875255fc623" providerId="LiveId" clId="{810FE3BA-24C2-48AA-9EFD-3E423A5F23CC}" dt="2023-10-17T05:35:11.688" v="6" actId="164"/>
+          <ac:picMkLst>
+            <pc:docMk/>
+            <pc:sldMk cId="3297165260" sldId="258"/>
+            <ac:picMk id="41" creationId="{B26C1EF3-F6CB-2A2F-77D5-BBD6EBAFF03A}"/>
+          </ac:picMkLst>
+        </pc:picChg>
+        <pc:picChg chg="mod topLvl">
+          <ac:chgData name="勇介 真鍋" userId="6dbd1875255fc623" providerId="LiveId" clId="{810FE3BA-24C2-48AA-9EFD-3E423A5F23CC}" dt="2023-10-17T05:35:11.688" v="6" actId="164"/>
+          <ac:picMkLst>
+            <pc:docMk/>
+            <pc:sldMk cId="3297165260" sldId="258"/>
+            <ac:picMk id="42" creationId="{39598969-E3BE-A1E7-44C1-E1C653151F1E}"/>
+          </ac:picMkLst>
+        </pc:picChg>
+        <pc:picChg chg="mod topLvl">
+          <ac:chgData name="勇介 真鍋" userId="6dbd1875255fc623" providerId="LiveId" clId="{810FE3BA-24C2-48AA-9EFD-3E423A5F23CC}" dt="2023-10-17T05:35:11.688" v="6" actId="164"/>
+          <ac:picMkLst>
+            <pc:docMk/>
+            <pc:sldMk cId="3297165260" sldId="258"/>
+            <ac:picMk id="43" creationId="{0DEFA480-4797-3C93-A42E-CA38DAED8540}"/>
+          </ac:picMkLst>
+        </pc:picChg>
+        <pc:picChg chg="mod topLvl">
+          <ac:chgData name="勇介 真鍋" userId="6dbd1875255fc623" providerId="LiveId" clId="{810FE3BA-24C2-48AA-9EFD-3E423A5F23CC}" dt="2023-10-17T05:35:11.688" v="6" actId="164"/>
+          <ac:picMkLst>
+            <pc:docMk/>
+            <pc:sldMk cId="3297165260" sldId="258"/>
+            <ac:picMk id="45" creationId="{B6FEA70D-7D93-0224-7461-3BEA7423CB92}"/>
+          </ac:picMkLst>
+        </pc:picChg>
+        <pc:picChg chg="mod topLvl">
+          <ac:chgData name="勇介 真鍋" userId="6dbd1875255fc623" providerId="LiveId" clId="{810FE3BA-24C2-48AA-9EFD-3E423A5F23CC}" dt="2023-10-17T05:35:11.688" v="6" actId="164"/>
+          <ac:picMkLst>
+            <pc:docMk/>
+            <pc:sldMk cId="3297165260" sldId="258"/>
+            <ac:picMk id="46" creationId="{DEF377DD-E2D0-DE6F-A88E-CCE7CC723528}"/>
+          </ac:picMkLst>
+        </pc:picChg>
+        <pc:picChg chg="mod topLvl">
+          <ac:chgData name="勇介 真鍋" userId="6dbd1875255fc623" providerId="LiveId" clId="{810FE3BA-24C2-48AA-9EFD-3E423A5F23CC}" dt="2023-10-17T05:35:11.688" v="6" actId="164"/>
+          <ac:picMkLst>
+            <pc:docMk/>
+            <pc:sldMk cId="3297165260" sldId="258"/>
+            <ac:picMk id="47" creationId="{311A3DE0-7F9F-965D-6EA9-5FA3BE50A8AD}"/>
+          </ac:picMkLst>
+        </pc:picChg>
+      </pc:sldChg>
+    </pc:docChg>
+  </pc:docChgLst>
   <pc:docChgLst>
     <pc:chgData name="勇介 真鍋" userId="3258558f-e65a-4e40-9d6e-81bab604c378" providerId="ADAL" clId="{9845F9BF-C69D-4BC9-B307-ED9ECAD114D1}"/>
     <pc:docChg chg="undo custSel addSld delSld modSld modMainMaster">
@@ -2948,7 +4163,7 @@
           <a:p>
             <a:fld id="{08796073-9333-4BA1-BF77-342F3BE891B4}" type="datetimeFigureOut">
               <a:rPr kumimoji="1" lang="ja-JP" altLang="en-US" smtClean="0"/>
-              <a:t>2023/6/1</a:t>
+              <a:t>2023/10/17</a:t>
             </a:fld>
             <a:endParaRPr kumimoji="1" lang="ja-JP" altLang="en-US"/>
           </a:p>
@@ -3150,7 +4365,7 @@
           <a:p>
             <a:fld id="{08796073-9333-4BA1-BF77-342F3BE891B4}" type="datetimeFigureOut">
               <a:rPr kumimoji="1" lang="ja-JP" altLang="en-US" smtClean="0"/>
-              <a:t>2023/6/1</a:t>
+              <a:t>2023/10/17</a:t>
             </a:fld>
             <a:endParaRPr kumimoji="1" lang="ja-JP" altLang="en-US"/>
           </a:p>
@@ -3362,7 +4577,7 @@
           <a:p>
             <a:fld id="{08796073-9333-4BA1-BF77-342F3BE891B4}" type="datetimeFigureOut">
               <a:rPr kumimoji="1" lang="ja-JP" altLang="en-US" smtClean="0"/>
-              <a:t>2023/6/1</a:t>
+              <a:t>2023/10/17</a:t>
             </a:fld>
             <a:endParaRPr kumimoji="1" lang="ja-JP" altLang="en-US"/>
           </a:p>
@@ -3564,7 +4779,7 @@
           <a:p>
             <a:fld id="{08796073-9333-4BA1-BF77-342F3BE891B4}" type="datetimeFigureOut">
               <a:rPr kumimoji="1" lang="ja-JP" altLang="en-US" smtClean="0"/>
-              <a:t>2023/6/1</a:t>
+              <a:t>2023/10/17</a:t>
             </a:fld>
             <a:endParaRPr kumimoji="1" lang="ja-JP" altLang="en-US"/>
           </a:p>
@@ -3808,7 +5023,7 @@
           <a:p>
             <a:fld id="{08796073-9333-4BA1-BF77-342F3BE891B4}" type="datetimeFigureOut">
               <a:rPr kumimoji="1" lang="ja-JP" altLang="en-US" smtClean="0"/>
-              <a:t>2023/6/1</a:t>
+              <a:t>2023/10/17</a:t>
             </a:fld>
             <a:endParaRPr kumimoji="1" lang="ja-JP" altLang="en-US"/>
           </a:p>
@@ -4104,7 +5319,7 @@
           <a:p>
             <a:fld id="{08796073-9333-4BA1-BF77-342F3BE891B4}" type="datetimeFigureOut">
               <a:rPr kumimoji="1" lang="ja-JP" altLang="en-US" smtClean="0"/>
-              <a:t>2023/6/1</a:t>
+              <a:t>2023/10/17</a:t>
             </a:fld>
             <a:endParaRPr kumimoji="1" lang="ja-JP" altLang="en-US"/>
           </a:p>
@@ -4535,7 +5750,7 @@
           <a:p>
             <a:fld id="{08796073-9333-4BA1-BF77-342F3BE891B4}" type="datetimeFigureOut">
               <a:rPr kumimoji="1" lang="ja-JP" altLang="en-US" smtClean="0"/>
-              <a:t>2023/6/1</a:t>
+              <a:t>2023/10/17</a:t>
             </a:fld>
             <a:endParaRPr kumimoji="1" lang="ja-JP" altLang="en-US"/>
           </a:p>
@@ -4653,7 +5868,7 @@
           <a:p>
             <a:fld id="{08796073-9333-4BA1-BF77-342F3BE891B4}" type="datetimeFigureOut">
               <a:rPr kumimoji="1" lang="ja-JP" altLang="en-US" smtClean="0"/>
-              <a:t>2023/6/1</a:t>
+              <a:t>2023/10/17</a:t>
             </a:fld>
             <a:endParaRPr kumimoji="1" lang="ja-JP" altLang="en-US"/>
           </a:p>
@@ -4748,7 +5963,7 @@
           <a:p>
             <a:fld id="{08796073-9333-4BA1-BF77-342F3BE891B4}" type="datetimeFigureOut">
               <a:rPr kumimoji="1" lang="ja-JP" altLang="en-US" smtClean="0"/>
-              <a:t>2023/6/1</a:t>
+              <a:t>2023/10/17</a:t>
             </a:fld>
             <a:endParaRPr kumimoji="1" lang="ja-JP" altLang="en-US"/>
           </a:p>
@@ -5057,7 +6272,7 @@
           <a:p>
             <a:fld id="{08796073-9333-4BA1-BF77-342F3BE891B4}" type="datetimeFigureOut">
               <a:rPr kumimoji="1" lang="ja-JP" altLang="en-US" smtClean="0"/>
-              <a:t>2023/6/1</a:t>
+              <a:t>2023/10/17</a:t>
             </a:fld>
             <a:endParaRPr kumimoji="1" lang="ja-JP" altLang="en-US"/>
           </a:p>
@@ -5314,7 +6529,7 @@
           <a:p>
             <a:fld id="{08796073-9333-4BA1-BF77-342F3BE891B4}" type="datetimeFigureOut">
               <a:rPr kumimoji="1" lang="ja-JP" altLang="en-US" smtClean="0"/>
-              <a:t>2023/6/1</a:t>
+              <a:t>2023/10/17</a:t>
             </a:fld>
             <a:endParaRPr kumimoji="1" lang="ja-JP" altLang="en-US"/>
           </a:p>
@@ -5559,7 +6774,7 @@
           <a:p>
             <a:fld id="{08796073-9333-4BA1-BF77-342F3BE891B4}" type="datetimeFigureOut">
               <a:rPr kumimoji="1" lang="ja-JP" altLang="en-US" smtClean="0"/>
-              <a:t>2023/6/1</a:t>
+              <a:t>2023/10/17</a:t>
             </a:fld>
             <a:endParaRPr kumimoji="1" lang="ja-JP" altLang="en-US"/>
           </a:p>
@@ -5966,10 +7181,10 @@
       </p:grpSpPr>
       <p:grpSp>
         <p:nvGrpSpPr>
-          <p:cNvPr id="48" name="グループ化 47">
+          <p:cNvPr id="3" name="グループ化 2">
             <a:extLst>
               <a:ext uri="{FF2B5EF4-FFF2-40B4-BE49-F238E27FC236}">
-                <a16:creationId xmlns:a16="http://schemas.microsoft.com/office/drawing/2014/main" id="{33CFF42C-310F-AFF9-C2F2-A70CB7E0306B}"/>
+                <a16:creationId xmlns:a16="http://schemas.microsoft.com/office/drawing/2014/main" id="{EEEE5479-6E2B-997D-E0E2-C55D4210C742}"/>
               </a:ext>
             </a:extLst>
           </p:cNvPr>
@@ -5978,12 +7193,64 @@
         </p:nvGrpSpPr>
         <p:grpSpPr>
           <a:xfrm>
-            <a:off x="696687" y="580571"/>
-            <a:ext cx="11070481" cy="9053979"/>
-            <a:chOff x="696687" y="580571"/>
-            <a:chExt cx="11070481" cy="9053979"/>
+            <a:off x="561474" y="320842"/>
+            <a:ext cx="11357810" cy="9641305"/>
+            <a:chOff x="561474" y="320842"/>
+            <a:chExt cx="11357810" cy="9641305"/>
           </a:xfrm>
         </p:grpSpPr>
+        <p:sp>
+          <p:nvSpPr>
+            <p:cNvPr id="2" name="正方形/長方形 1">
+              <a:extLst>
+                <a:ext uri="{FF2B5EF4-FFF2-40B4-BE49-F238E27FC236}">
+                  <a16:creationId xmlns:a16="http://schemas.microsoft.com/office/drawing/2014/main" id="{59350473-BD04-1D45-91B4-6EE8CBCBBF0F}"/>
+                </a:ext>
+              </a:extLst>
+            </p:cNvPr>
+            <p:cNvSpPr/>
+            <p:nvPr/>
+          </p:nvSpPr>
+          <p:spPr>
+            <a:xfrm>
+              <a:off x="561474" y="320842"/>
+              <a:ext cx="11357810" cy="9641305"/>
+            </a:xfrm>
+            <a:prstGeom prst="rect">
+              <a:avLst/>
+            </a:prstGeom>
+            <a:solidFill>
+              <a:schemeClr val="bg1"/>
+            </a:solidFill>
+            <a:ln>
+              <a:noFill/>
+            </a:ln>
+          </p:spPr>
+          <p:style>
+            <a:lnRef idx="2">
+              <a:schemeClr val="accent1">
+                <a:shade val="15000"/>
+              </a:schemeClr>
+            </a:lnRef>
+            <a:fillRef idx="1">
+              <a:schemeClr val="accent1"/>
+            </a:fillRef>
+            <a:effectRef idx="0">
+              <a:schemeClr val="accent1"/>
+            </a:effectRef>
+            <a:fontRef idx="minor">
+              <a:schemeClr val="lt1"/>
+            </a:fontRef>
+          </p:style>
+          <p:txBody>
+            <a:bodyPr rtlCol="0" anchor="ctr"/>
+            <a:lstStyle/>
+            <a:p>
+              <a:pPr algn="ctr"/>
+              <a:endParaRPr kumimoji="1" lang="ja-JP" altLang="en-US"/>
+            </a:p>
+          </p:txBody>
+        </p:sp>
         <p:sp>
           <p:nvSpPr>
             <p:cNvPr id="5" name="四角形: 角を丸くする 4">
@@ -7148,10 +8415,10 @@
       </p:grpSpPr>
       <p:grpSp>
         <p:nvGrpSpPr>
-          <p:cNvPr id="3" name="グループ化 2">
+          <p:cNvPr id="7" name="グループ化 6">
             <a:extLst>
               <a:ext uri="{FF2B5EF4-FFF2-40B4-BE49-F238E27FC236}">
-                <a16:creationId xmlns:a16="http://schemas.microsoft.com/office/drawing/2014/main" id="{2BA7B35E-8B58-2FAC-101F-FE4199FB82E2}"/>
+                <a16:creationId xmlns:a16="http://schemas.microsoft.com/office/drawing/2014/main" id="{EDB8406E-EE7A-1C51-5197-E4E355F33150}"/>
               </a:ext>
             </a:extLst>
           </p:cNvPr>
@@ -7166,6 +8433,58 @@
             <a:chExt cx="11049881" cy="9629261"/>
           </a:xfrm>
         </p:grpSpPr>
+        <p:sp>
+          <p:nvSpPr>
+            <p:cNvPr id="4" name="正方形/長方形 3">
+              <a:extLst>
+                <a:ext uri="{FF2B5EF4-FFF2-40B4-BE49-F238E27FC236}">
+                  <a16:creationId xmlns:a16="http://schemas.microsoft.com/office/drawing/2014/main" id="{8DF635FE-B04C-4D9A-4E47-A4C3E1556DAE}"/>
+                </a:ext>
+              </a:extLst>
+            </p:cNvPr>
+            <p:cNvSpPr/>
+            <p:nvPr/>
+          </p:nvSpPr>
+          <p:spPr>
+            <a:xfrm>
+              <a:off x="685937" y="323623"/>
+              <a:ext cx="10689729" cy="9629261"/>
+            </a:xfrm>
+            <a:prstGeom prst="rect">
+              <a:avLst/>
+            </a:prstGeom>
+            <a:solidFill>
+              <a:schemeClr val="bg1"/>
+            </a:solidFill>
+            <a:ln>
+              <a:noFill/>
+            </a:ln>
+          </p:spPr>
+          <p:style>
+            <a:lnRef idx="2">
+              <a:schemeClr val="accent1">
+                <a:shade val="15000"/>
+              </a:schemeClr>
+            </a:lnRef>
+            <a:fillRef idx="1">
+              <a:schemeClr val="accent1"/>
+            </a:fillRef>
+            <a:effectRef idx="0">
+              <a:schemeClr val="accent1"/>
+            </a:effectRef>
+            <a:fontRef idx="minor">
+              <a:schemeClr val="lt1"/>
+            </a:fontRef>
+          </p:style>
+          <p:txBody>
+            <a:bodyPr rtlCol="0" anchor="ctr"/>
+            <a:lstStyle/>
+            <a:p>
+              <a:pPr algn="ctr"/>
+              <a:endParaRPr kumimoji="1" lang="ja-JP" altLang="en-US"/>
+            </a:p>
+          </p:txBody>
+        </p:sp>
         <p:sp>
           <p:nvSpPr>
             <p:cNvPr id="148" name="フリーフォーム: 図形 147">
